--- a/guide/hyperauth_fido_guide.pptx
+++ b/guide/hyperauth_fido_guide.pptx
@@ -11,9 +11,10 @@
     <p:handoutMasterId r:id="rId12"/>
   </p:handoutMasterIdLst>
   <p:sldIdLst>
-    <p:sldId id="256" r:id="rId3"/>
-    <p:sldId id="385" r:id="rId4"/>
-    <p:sldId id="412" r:id="rId5"/>
+    <p:sldId id="256" r:id="rId2"/>
+    <p:sldId id="385" r:id="rId3"/>
+    <p:sldId id="412" r:id="rId4"/>
+    <p:sldId id="418" r:id="rId5"/>
     <p:sldId id="414" r:id="rId6"/>
     <p:sldId id="415" r:id="rId7"/>
     <p:sldId id="413" r:id="rId8"/>
@@ -21,7 +22,7 @@
     <p:sldId id="417" r:id="rId10"/>
   </p:sldIdLst>
   <p:sldSz cx="9144000" cy="6858000" type="screen4x3"/>
-  <p:notesSz cx="9926320" cy="6797675"/>
+  <p:notesSz cx="9926638" cy="6797675"/>
   <p:defaultTextStyle>
     <a:defPPr>
       <a:defRPr lang="ko-KR"/>
@@ -117,6 +118,14 @@
       </a:defRPr>
     </a:lvl9pPr>
   </p:defaultTextStyle>
+  <p:extLst>
+    <p:ext uri="{EFAFB233-063F-42B5-8137-9DF3F51BA10A}">
+      <p15:sldGuideLst xmlns:p15="http://schemas.microsoft.com/office/powerpoint/2012/main"/>
+    </p:ext>
+    <p:ext uri="{2D200454-40CA-4A62-9FC3-DE9A4176ACB9}">
+      <p15:notesGuideLst xmlns:p15="http://schemas.microsoft.com/office/powerpoint/2012/main"/>
+    </p:ext>
+  </p:extLst>
 </p:presentation>
 </file>
 
@@ -202,6 +211,7 @@
           <a:p>
             <a:fld id="{58B44CC0-E33D-48EE-8029-B03C439A17A5}" type="datetimeFigureOut">
               <a:rPr lang="ko-KR" altLang="en-US" smtClean="0"/>
+              <a:t>2023. 2. 20.</a:t>
             </a:fld>
             <a:endParaRPr lang="ko-KR" altLang="en-US"/>
           </a:p>
@@ -267,12 +277,18 @@
           <a:p>
             <a:fld id="{92F94F53-F6F6-4160-BE8D-BD410150B9C1}" type="slidenum">
               <a:rPr lang="ko-KR" altLang="en-US" smtClean="0"/>
+              <a:t>‹#›</a:t>
             </a:fld>
             <a:endParaRPr lang="ko-KR" altLang="en-US"/>
           </a:p>
         </p:txBody>
       </p:sp>
     </p:spTree>
+    <p:extLst>
+      <p:ext uri="{BB962C8B-B14F-4D97-AF65-F5344CB8AC3E}">
+        <p14:creationId xmlns:p14="http://schemas.microsoft.com/office/powerpoint/2010/main" val="1"/>
+      </p:ext>
+    </p:extLst>
   </p:cSld>
   <p:clrMap bg1="lt1" tx1="dk1" bg2="lt2" tx2="dk2" accent1="accent1" accent2="accent2" accent3="accent3" accent4="accent4" accent5="accent5" accent6="accent6" hlink="hlink" folHlink="folHlink"/>
   <p:hf hdr="0" ftr="0" dt="0"/>
@@ -361,6 +377,7 @@
           <a:p>
             <a:fld id="{FD8C609D-FF6B-46EF-A03D-CF6982517708}" type="datetimeFigureOut">
               <a:rPr lang="ko-KR" altLang="en-US" smtClean="0"/>
+              <a:t>2023. 2. 20.</a:t>
             </a:fld>
             <a:endParaRPr lang="ko-KR" altLang="en-US"/>
           </a:p>
@@ -427,7 +444,6 @@
               <a:rPr lang="ko-KR" altLang="en-US"/>
               <a:t>마스터 텍스트 스타일 편집</a:t>
             </a:r>
-            <a:endParaRPr lang="ko-KR" altLang="en-US"/>
           </a:p>
           <a:p>
             <a:pPr lvl="1"/>
@@ -435,7 +451,6 @@
               <a:rPr lang="ko-KR" altLang="en-US"/>
               <a:t>둘째 수준</a:t>
             </a:r>
-            <a:endParaRPr lang="ko-KR" altLang="en-US"/>
           </a:p>
           <a:p>
             <a:pPr lvl="2"/>
@@ -443,7 +458,6 @@
               <a:rPr lang="ko-KR" altLang="en-US"/>
               <a:t>셋째 수준</a:t>
             </a:r>
-            <a:endParaRPr lang="ko-KR" altLang="en-US"/>
           </a:p>
           <a:p>
             <a:pPr lvl="3"/>
@@ -451,7 +465,6 @@
               <a:rPr lang="ko-KR" altLang="en-US"/>
               <a:t>넷째 수준</a:t>
             </a:r>
-            <a:endParaRPr lang="ko-KR" altLang="en-US"/>
           </a:p>
           <a:p>
             <a:pPr lvl="4"/>
@@ -459,7 +472,6 @@
               <a:rPr lang="ko-KR" altLang="en-US"/>
               <a:t>다섯째 수준</a:t>
             </a:r>
-            <a:endParaRPr lang="ko-KR" altLang="en-US"/>
           </a:p>
         </p:txBody>
       </p:sp>
@@ -523,6 +535,7 @@
           <a:p>
             <a:fld id="{777A0342-7897-48A3-9612-AA39B982CD6F}" type="slidenum">
               <a:rPr lang="ko-KR" altLang="en-US" smtClean="0"/>
+              <a:t>‹#›</a:t>
             </a:fld>
             <a:endParaRPr lang="ko-KR" altLang="en-US"/>
           </a:p>
@@ -839,6 +852,7 @@
           <a:p>
             <a:fld id="{46AE23CF-7DA0-4EBA-8411-E6590A2914FC}" type="slidenum">
               <a:rPr lang="ko-KR" altLang="en-US" smtClean="0"/>
+              <a:t>‹#›</a:t>
             </a:fld>
             <a:endParaRPr lang="ko-KR" altLang="en-US"/>
           </a:p>
@@ -912,7 +926,6 @@
               <a:rPr lang="ko-KR" altLang="en-US"/>
               <a:t>마스터 텍스트 스타일 편집</a:t>
             </a:r>
-            <a:endParaRPr lang="ko-KR" altLang="en-US"/>
           </a:p>
           <a:p>
             <a:pPr lvl="1"/>
@@ -920,7 +933,6 @@
               <a:rPr lang="ko-KR" altLang="en-US"/>
               <a:t>둘째 수준</a:t>
             </a:r>
-            <a:endParaRPr lang="ko-KR" altLang="en-US"/>
           </a:p>
           <a:p>
             <a:pPr lvl="2"/>
@@ -928,7 +940,6 @@
               <a:rPr lang="ko-KR" altLang="en-US"/>
               <a:t>셋째 수준</a:t>
             </a:r>
-            <a:endParaRPr lang="ko-KR" altLang="en-US"/>
           </a:p>
           <a:p>
             <a:pPr lvl="3"/>
@@ -936,7 +947,6 @@
               <a:rPr lang="ko-KR" altLang="en-US"/>
               <a:t>넷째 수준</a:t>
             </a:r>
-            <a:endParaRPr lang="ko-KR" altLang="en-US"/>
           </a:p>
           <a:p>
             <a:pPr lvl="4"/>
@@ -1003,6 +1013,7 @@
           <a:p>
             <a:fld id="{46AE23CF-7DA0-4EBA-8411-E6590A2914FC}" type="slidenum">
               <a:rPr lang="ko-KR" altLang="en-US" smtClean="0"/>
+              <a:t>‹#›</a:t>
             </a:fld>
             <a:endParaRPr lang="ko-KR" altLang="en-US"/>
           </a:p>
@@ -1086,7 +1097,6 @@
               <a:rPr lang="ko-KR" altLang="en-US"/>
               <a:t>마스터 텍스트 스타일 편집</a:t>
             </a:r>
-            <a:endParaRPr lang="ko-KR" altLang="en-US"/>
           </a:p>
           <a:p>
             <a:pPr lvl="1"/>
@@ -1094,7 +1104,6 @@
               <a:rPr lang="ko-KR" altLang="en-US"/>
               <a:t>둘째 수준</a:t>
             </a:r>
-            <a:endParaRPr lang="ko-KR" altLang="en-US"/>
           </a:p>
           <a:p>
             <a:pPr lvl="2"/>
@@ -1102,7 +1111,6 @@
               <a:rPr lang="ko-KR" altLang="en-US"/>
               <a:t>셋째 수준</a:t>
             </a:r>
-            <a:endParaRPr lang="ko-KR" altLang="en-US"/>
           </a:p>
           <a:p>
             <a:pPr lvl="3"/>
@@ -1110,7 +1118,6 @@
               <a:rPr lang="ko-KR" altLang="en-US"/>
               <a:t>넷째 수준</a:t>
             </a:r>
-            <a:endParaRPr lang="ko-KR" altLang="en-US"/>
           </a:p>
           <a:p>
             <a:pPr lvl="4"/>
@@ -1177,6 +1184,7 @@
           <a:p>
             <a:fld id="{46AE23CF-7DA0-4EBA-8411-E6590A2914FC}" type="slidenum">
               <a:rPr lang="ko-KR" altLang="en-US" smtClean="0"/>
+              <a:t>‹#›</a:t>
             </a:fld>
             <a:endParaRPr lang="ko-KR" altLang="en-US"/>
           </a:p>
@@ -1287,7 +1295,6 @@
               <a:rPr lang="ko-KR" altLang="en-US" dirty="0"/>
               <a:t>마스터 텍스트 스타일 편집</a:t>
             </a:r>
-            <a:endParaRPr lang="ko-KR" altLang="en-US" dirty="0"/>
           </a:p>
           <a:p>
             <a:pPr lvl="1"/>
@@ -1295,7 +1302,6 @@
               <a:rPr lang="ko-KR" altLang="en-US" dirty="0"/>
               <a:t>둘째 수준</a:t>
             </a:r>
-            <a:endParaRPr lang="ko-KR" altLang="en-US" dirty="0"/>
           </a:p>
           <a:p>
             <a:pPr lvl="2"/>
@@ -1303,7 +1309,6 @@
               <a:rPr lang="ko-KR" altLang="en-US" dirty="0"/>
               <a:t>셋째 수준</a:t>
             </a:r>
-            <a:endParaRPr lang="ko-KR" altLang="en-US" dirty="0"/>
           </a:p>
           <a:p>
             <a:pPr lvl="3"/>
@@ -1311,7 +1316,6 @@
               <a:rPr lang="ko-KR" altLang="en-US" dirty="0"/>
               <a:t>넷째 수준</a:t>
             </a:r>
-            <a:endParaRPr lang="ko-KR" altLang="en-US" dirty="0"/>
           </a:p>
           <a:p>
             <a:pPr lvl="4"/>
@@ -1345,6 +1349,7 @@
           <a:p>
             <a:fld id="{46AE23CF-7DA0-4EBA-8411-E6590A2914FC}" type="slidenum">
               <a:rPr lang="ko-KR" altLang="en-US" smtClean="0"/>
+              <a:t>‹#›</a:t>
             </a:fld>
             <a:r>
               <a:rPr lang="ko-KR" altLang="en-US" dirty="0"/>
@@ -1672,7 +1677,6 @@
               <a:rPr lang="ko-KR" altLang="en-US"/>
               <a:t>마스터 텍스트 스타일 편집</a:t>
             </a:r>
-            <a:endParaRPr lang="ko-KR" altLang="en-US"/>
           </a:p>
         </p:txBody>
       </p:sp>
@@ -1731,6 +1735,7 @@
           <a:p>
             <a:fld id="{46AE23CF-7DA0-4EBA-8411-E6590A2914FC}" type="slidenum">
               <a:rPr lang="ko-KR" altLang="en-US" smtClean="0"/>
+              <a:t>‹#›</a:t>
             </a:fld>
             <a:endParaRPr lang="ko-KR" altLang="en-US"/>
           </a:p>
@@ -1809,7 +1814,6 @@
               <a:rPr lang="ko-KR" altLang="en-US"/>
               <a:t>마스터 텍스트 스타일 편집</a:t>
             </a:r>
-            <a:endParaRPr lang="ko-KR" altLang="en-US"/>
           </a:p>
           <a:p>
             <a:pPr lvl="1"/>
@@ -1817,7 +1821,6 @@
               <a:rPr lang="ko-KR" altLang="en-US"/>
               <a:t>둘째 수준</a:t>
             </a:r>
-            <a:endParaRPr lang="ko-KR" altLang="en-US"/>
           </a:p>
           <a:p>
             <a:pPr lvl="2"/>
@@ -1825,7 +1828,6 @@
               <a:rPr lang="ko-KR" altLang="en-US"/>
               <a:t>셋째 수준</a:t>
             </a:r>
-            <a:endParaRPr lang="ko-KR" altLang="en-US"/>
           </a:p>
           <a:p>
             <a:pPr lvl="3"/>
@@ -1833,7 +1835,6 @@
               <a:rPr lang="ko-KR" altLang="en-US"/>
               <a:t>넷째 수준</a:t>
             </a:r>
-            <a:endParaRPr lang="ko-KR" altLang="en-US"/>
           </a:p>
           <a:p>
             <a:pPr lvl="4"/>
@@ -1870,7 +1871,6 @@
               <a:rPr lang="ko-KR" altLang="en-US"/>
               <a:t>마스터 텍스트 스타일 편집</a:t>
             </a:r>
-            <a:endParaRPr lang="ko-KR" altLang="en-US"/>
           </a:p>
           <a:p>
             <a:pPr lvl="1"/>
@@ -1878,7 +1878,6 @@
               <a:rPr lang="ko-KR" altLang="en-US"/>
               <a:t>둘째 수준</a:t>
             </a:r>
-            <a:endParaRPr lang="ko-KR" altLang="en-US"/>
           </a:p>
           <a:p>
             <a:pPr lvl="2"/>
@@ -1886,7 +1885,6 @@
               <a:rPr lang="ko-KR" altLang="en-US"/>
               <a:t>셋째 수준</a:t>
             </a:r>
-            <a:endParaRPr lang="ko-KR" altLang="en-US"/>
           </a:p>
           <a:p>
             <a:pPr lvl="3"/>
@@ -1894,7 +1892,6 @@
               <a:rPr lang="ko-KR" altLang="en-US"/>
               <a:t>넷째 수준</a:t>
             </a:r>
-            <a:endParaRPr lang="ko-KR" altLang="en-US"/>
           </a:p>
           <a:p>
             <a:pPr lvl="4"/>
@@ -1961,6 +1958,7 @@
           <a:p>
             <a:fld id="{46AE23CF-7DA0-4EBA-8411-E6590A2914FC}" type="slidenum">
               <a:rPr lang="ko-KR" altLang="en-US" smtClean="0"/>
+              <a:t>‹#›</a:t>
             </a:fld>
             <a:endParaRPr lang="ko-KR" altLang="en-US"/>
           </a:p>
@@ -2081,7 +2079,6 @@
               <a:rPr lang="ko-KR" altLang="en-US"/>
               <a:t>마스터 텍스트 스타일 편집</a:t>
             </a:r>
-            <a:endParaRPr lang="ko-KR" altLang="en-US"/>
           </a:p>
         </p:txBody>
       </p:sp>
@@ -2110,7 +2107,6 @@
               <a:rPr lang="ko-KR" altLang="en-US"/>
               <a:t>마스터 텍스트 스타일 편집</a:t>
             </a:r>
-            <a:endParaRPr lang="ko-KR" altLang="en-US"/>
           </a:p>
           <a:p>
             <a:pPr lvl="1"/>
@@ -2118,7 +2114,6 @@
               <a:rPr lang="ko-KR" altLang="en-US"/>
               <a:t>둘째 수준</a:t>
             </a:r>
-            <a:endParaRPr lang="ko-KR" altLang="en-US"/>
           </a:p>
           <a:p>
             <a:pPr lvl="2"/>
@@ -2126,7 +2121,6 @@
               <a:rPr lang="ko-KR" altLang="en-US"/>
               <a:t>셋째 수준</a:t>
             </a:r>
-            <a:endParaRPr lang="ko-KR" altLang="en-US"/>
           </a:p>
           <a:p>
             <a:pPr lvl="3"/>
@@ -2134,7 +2128,6 @@
               <a:rPr lang="ko-KR" altLang="en-US"/>
               <a:t>넷째 수준</a:t>
             </a:r>
-            <a:endParaRPr lang="ko-KR" altLang="en-US"/>
           </a:p>
           <a:p>
             <a:pPr lvl="4"/>
@@ -2208,7 +2201,6 @@
               <a:rPr lang="ko-KR" altLang="en-US"/>
               <a:t>마스터 텍스트 스타일 편집</a:t>
             </a:r>
-            <a:endParaRPr lang="ko-KR" altLang="en-US"/>
           </a:p>
         </p:txBody>
       </p:sp>
@@ -2237,7 +2229,6 @@
               <a:rPr lang="ko-KR" altLang="en-US"/>
               <a:t>마스터 텍스트 스타일 편집</a:t>
             </a:r>
-            <a:endParaRPr lang="ko-KR" altLang="en-US"/>
           </a:p>
           <a:p>
             <a:pPr lvl="1"/>
@@ -2245,7 +2236,6 @@
               <a:rPr lang="ko-KR" altLang="en-US"/>
               <a:t>둘째 수준</a:t>
             </a:r>
-            <a:endParaRPr lang="ko-KR" altLang="en-US"/>
           </a:p>
           <a:p>
             <a:pPr lvl="2"/>
@@ -2253,7 +2243,6 @@
               <a:rPr lang="ko-KR" altLang="en-US"/>
               <a:t>셋째 수준</a:t>
             </a:r>
-            <a:endParaRPr lang="ko-KR" altLang="en-US"/>
           </a:p>
           <a:p>
             <a:pPr lvl="3"/>
@@ -2261,7 +2250,6 @@
               <a:rPr lang="ko-KR" altLang="en-US"/>
               <a:t>넷째 수준</a:t>
             </a:r>
-            <a:endParaRPr lang="ko-KR" altLang="en-US"/>
           </a:p>
           <a:p>
             <a:pPr lvl="4"/>
@@ -2328,6 +2316,7 @@
           <a:p>
             <a:fld id="{46AE23CF-7DA0-4EBA-8411-E6590A2914FC}" type="slidenum">
               <a:rPr lang="ko-KR" altLang="en-US" smtClean="0"/>
+              <a:t>‹#›</a:t>
             </a:fld>
             <a:endParaRPr lang="ko-KR" altLang="en-US"/>
           </a:p>
@@ -2436,6 +2425,7 @@
           <a:p>
             <a:fld id="{46AE23CF-7DA0-4EBA-8411-E6590A2914FC}" type="slidenum">
               <a:rPr lang="ko-KR" altLang="en-US" smtClean="0"/>
+              <a:t>‹#›</a:t>
             </a:fld>
             <a:endParaRPr lang="ko-KR" altLang="en-US"/>
           </a:p>
@@ -2521,6 +2511,7 @@
           <a:p>
             <a:fld id="{46AE23CF-7DA0-4EBA-8411-E6590A2914FC}" type="slidenum">
               <a:rPr lang="ko-KR" altLang="en-US" smtClean="0"/>
+              <a:t>‹#›</a:t>
             </a:fld>
             <a:endParaRPr lang="ko-KR" altLang="en-US"/>
           </a:p>
@@ -2636,7 +2627,6 @@
               <a:rPr lang="ko-KR" altLang="en-US"/>
               <a:t>마스터 텍스트 스타일 편집</a:t>
             </a:r>
-            <a:endParaRPr lang="ko-KR" altLang="en-US"/>
           </a:p>
           <a:p>
             <a:pPr lvl="1"/>
@@ -2644,7 +2634,6 @@
               <a:rPr lang="ko-KR" altLang="en-US"/>
               <a:t>둘째 수준</a:t>
             </a:r>
-            <a:endParaRPr lang="ko-KR" altLang="en-US"/>
           </a:p>
           <a:p>
             <a:pPr lvl="2"/>
@@ -2652,7 +2641,6 @@
               <a:rPr lang="ko-KR" altLang="en-US"/>
               <a:t>셋째 수준</a:t>
             </a:r>
-            <a:endParaRPr lang="ko-KR" altLang="en-US"/>
           </a:p>
           <a:p>
             <a:pPr lvl="3"/>
@@ -2660,7 +2648,6 @@
               <a:rPr lang="ko-KR" altLang="en-US"/>
               <a:t>넷째 수준</a:t>
             </a:r>
-            <a:endParaRPr lang="ko-KR" altLang="en-US"/>
           </a:p>
           <a:p>
             <a:pPr lvl="4"/>
@@ -2734,7 +2721,6 @@
               <a:rPr lang="ko-KR" altLang="en-US"/>
               <a:t>마스터 텍스트 스타일 편집</a:t>
             </a:r>
-            <a:endParaRPr lang="ko-KR" altLang="en-US"/>
           </a:p>
         </p:txBody>
       </p:sp>
@@ -2793,6 +2779,7 @@
           <a:p>
             <a:fld id="{46AE23CF-7DA0-4EBA-8411-E6590A2914FC}" type="slidenum">
               <a:rPr lang="ko-KR" altLang="en-US" smtClean="0"/>
+              <a:t>‹#›</a:t>
             </a:fld>
             <a:endParaRPr lang="ko-KR" altLang="en-US"/>
           </a:p>
@@ -2982,7 +2969,6 @@
               <a:rPr lang="ko-KR" altLang="en-US"/>
               <a:t>마스터 텍스트 스타일 편집</a:t>
             </a:r>
-            <a:endParaRPr lang="ko-KR" altLang="en-US"/>
           </a:p>
         </p:txBody>
       </p:sp>
@@ -3041,6 +3027,7 @@
           <a:p>
             <a:fld id="{46AE23CF-7DA0-4EBA-8411-E6590A2914FC}" type="slidenum">
               <a:rPr lang="ko-KR" altLang="en-US" smtClean="0"/>
+              <a:t>‹#›</a:t>
             </a:fld>
             <a:endParaRPr lang="ko-KR" altLang="en-US"/>
           </a:p>
@@ -3139,7 +3126,6 @@
               <a:rPr lang="ko-KR" altLang="en-US"/>
               <a:t>마스터 텍스트 스타일 편집</a:t>
             </a:r>
-            <a:endParaRPr lang="ko-KR" altLang="en-US"/>
           </a:p>
           <a:p>
             <a:pPr lvl="1"/>
@@ -3147,7 +3133,6 @@
               <a:rPr lang="ko-KR" altLang="en-US"/>
               <a:t>둘째 수준</a:t>
             </a:r>
-            <a:endParaRPr lang="ko-KR" altLang="en-US"/>
           </a:p>
           <a:p>
             <a:pPr lvl="2"/>
@@ -3155,7 +3140,6 @@
               <a:rPr lang="ko-KR" altLang="en-US"/>
               <a:t>셋째 수준</a:t>
             </a:r>
-            <a:endParaRPr lang="ko-KR" altLang="en-US"/>
           </a:p>
           <a:p>
             <a:pPr lvl="3"/>
@@ -3163,7 +3147,6 @@
               <a:rPr lang="ko-KR" altLang="en-US"/>
               <a:t>넷째 수준</a:t>
             </a:r>
-            <a:endParaRPr lang="ko-KR" altLang="en-US"/>
           </a:p>
           <a:p>
             <a:pPr lvl="4"/>
@@ -3284,6 +3267,7 @@
           <a:p>
             <a:fld id="{46AE23CF-7DA0-4EBA-8411-E6590A2914FC}" type="slidenum">
               <a:rPr lang="ko-KR" altLang="en-US" smtClean="0"/>
+              <a:t>‹#›</a:t>
             </a:fld>
             <a:endParaRPr lang="ko-KR" altLang="en-US"/>
           </a:p>
@@ -3710,19 +3694,8 @@
                 <a:latin typeface="+mn-ea"/>
                 <a:ea typeface="+mn-ea"/>
               </a:rPr>
-              <a:t>가</a:t>
-            </a:r>
-            <a:r>
-              <a:rPr lang="ko-KR" altLang="en-US" sz="4400" b="1" dirty="0">
-                <a:latin typeface="+mn-ea"/>
-                <a:ea typeface="+mn-ea"/>
-              </a:rPr>
-              <a:t>이드</a:t>
-            </a:r>
-            <a:endParaRPr lang="ko-KR" altLang="en-US" sz="4400" b="1" dirty="0">
-              <a:latin typeface="+mn-ea"/>
-              <a:ea typeface="+mn-ea"/>
-            </a:endParaRPr>
+              <a:t>가이드</a:t>
+            </a:r>
           </a:p>
         </p:txBody>
       </p:sp>
@@ -3782,10 +3755,6 @@
               </a:rPr>
               <a:t>우태건</a:t>
             </a:r>
-            <a:endParaRPr lang="ko-KR" altLang="en-US" sz="3200" b="1" dirty="0">
-              <a:latin typeface="+mn-ea"/>
-              <a:ea typeface="+mn-ea"/>
-            </a:endParaRPr>
           </a:p>
         </p:txBody>
       </p:sp>
@@ -3833,7 +3802,6 @@
               <a:rPr lang="en-US" altLang="ko-KR" b="1" dirty="0"/>
               <a:t>Hyperauth Setting</a:t>
             </a:r>
-            <a:endParaRPr lang="en-US" altLang="ko-KR" b="1" dirty="0"/>
           </a:p>
         </p:txBody>
       </p:sp>
@@ -3854,6 +3822,7 @@
           <a:p>
             <a:fld id="{46AE23CF-7DA0-4EBA-8411-E6590A2914FC}" type="slidenum">
               <a:rPr lang="ko-KR" altLang="en-US" smtClean="0"/>
+              <a:t>2</a:t>
             </a:fld>
             <a:r>
               <a:rPr lang="ko-KR" altLang="en-US" dirty="0"/>
@@ -3958,11 +3927,6 @@
               </a:rPr>
               <a:t>사용</a:t>
             </a:r>
-            <a:endParaRPr lang="ko-KR" altLang="en-US" sz="1600" dirty="0">
-              <a:latin typeface="맑은 고딕" panose="020B0503020000020004" charset="-127"/>
-              <a:ea typeface="맑은 고딕" panose="020B0503020000020004" charset="-127"/>
-              <a:cs typeface="맑은 고딕" panose="020B0503020000020004" charset="-127"/>
-            </a:endParaRPr>
           </a:p>
           <a:p>
             <a:r>
@@ -3989,9 +3953,6 @@
               </a:rPr>
               <a:t>등록</a:t>
             </a:r>
-            <a:endParaRPr lang="ko-KR" altLang="en-US" sz="1600" dirty="0">
-              <a:latin typeface="+mn-ea"/>
-            </a:endParaRPr>
           </a:p>
           <a:p>
             <a:endParaRPr lang="ko-KR" altLang="en-US" sz="1600" dirty="0">
@@ -4004,14 +3965,14 @@
         <p:nvPicPr>
           <p:cNvPr id="9" name="Content Placeholder 8"/>
           <p:cNvPicPr>
-            <a:picLocks noChangeAspect="1"/>
+            <a:picLocks noGrp="1" noChangeAspect="1"/>
           </p:cNvPicPr>
           <p:nvPr>
             <p:ph idx="1"/>
           </p:nvPr>
         </p:nvPicPr>
         <p:blipFill>
-          <a:blip r:embed="rId1"/>
+          <a:blip r:embed="rId2"/>
           <a:stretch>
             <a:fillRect/>
           </a:stretch>
@@ -4045,6 +4006,7 @@
           <a:bodyPr wrap="square">
             <a:noAutofit/>
           </a:bodyPr>
+          <a:lstStyle/>
           <a:p>
             <a:r>
               <a:rPr lang="ko-KR" altLang="en-US" sz="1200" b="1" dirty="0">
@@ -4091,12 +4053,6 @@
               </a:rPr>
               <a:t>선택</a:t>
             </a:r>
-            <a:endParaRPr lang="ko-KR" altLang="en-US" sz="1200" b="1" dirty="0">
-              <a:solidFill>
-                <a:srgbClr val="FF0000"/>
-              </a:solidFill>
-              <a:latin typeface="+mn-ea"/>
-            </a:endParaRPr>
           </a:p>
         </p:txBody>
       </p:sp>
@@ -4119,6 +4075,7 @@
           <a:bodyPr wrap="square">
             <a:noAutofit/>
           </a:bodyPr>
+          <a:lstStyle/>
           <a:p>
             <a:r>
               <a:rPr lang="ko-KR" altLang="en-US" sz="1200" b="1" dirty="0">
@@ -4254,7 +4211,6 @@
               <a:rPr lang="en-US" altLang="ko-KR" b="1" dirty="0"/>
               <a:t>Hyperauth Setting</a:t>
             </a:r>
-            <a:endParaRPr lang="en-US" altLang="ko-KR" b="1" dirty="0"/>
           </a:p>
         </p:txBody>
       </p:sp>
@@ -4275,6 +4231,7 @@
           <a:p>
             <a:fld id="{46AE23CF-7DA0-4EBA-8411-E6590A2914FC}" type="slidenum">
               <a:rPr lang="ko-KR" altLang="en-US" smtClean="0"/>
+              <a:t>3</a:t>
             </a:fld>
             <a:r>
               <a:rPr lang="ko-KR" altLang="en-US" dirty="0"/>
@@ -4410,9 +4367,6 @@
               </a:rPr>
               <a:t>.</a:t>
             </a:r>
-            <a:endParaRPr lang="en-US" altLang="ko-KR" sz="1600" dirty="0">
-              <a:latin typeface="+mn-ea"/>
-            </a:endParaRPr>
           </a:p>
         </p:txBody>
       </p:sp>
@@ -4420,14 +4374,14 @@
         <p:nvPicPr>
           <p:cNvPr id="5" name="Content Placeholder 4"/>
           <p:cNvPicPr>
-            <a:picLocks noChangeAspect="1"/>
+            <a:picLocks noGrp="1" noChangeAspect="1"/>
           </p:cNvPicPr>
           <p:nvPr>
             <p:ph idx="1"/>
           </p:nvPr>
         </p:nvPicPr>
         <p:blipFill>
-          <a:blip r:embed="rId1"/>
+          <a:blip r:embed="rId2"/>
           <a:stretch>
             <a:fillRect/>
           </a:stretch>
@@ -4461,6 +4415,7 @@
           <a:bodyPr wrap="square">
             <a:noAutofit/>
           </a:bodyPr>
+          <a:lstStyle/>
           <a:p>
             <a:r>
               <a:rPr lang="en-US" sz="1200" b="1" dirty="0">
@@ -4615,12 +4570,6 @@
               </a:rPr>
               <a:t>.</a:t>
             </a:r>
-            <a:endParaRPr lang="en-US" altLang="ko-KR" sz="1200" b="1" dirty="0">
-              <a:solidFill>
-                <a:srgbClr val="FF0000"/>
-              </a:solidFill>
-              <a:latin typeface="+mn-ea"/>
-            </a:endParaRPr>
           </a:p>
         </p:txBody>
       </p:sp>
@@ -4633,7 +4582,7 @@
           <p:nvPr/>
         </p:nvPicPr>
         <p:blipFill>
-          <a:blip r:embed="rId2"/>
+          <a:blip r:embed="rId3"/>
           <a:stretch>
             <a:fillRect/>
           </a:stretch>
@@ -4689,26 +4638,13 @@
           <a:lstStyle/>
           <a:p>
             <a:r>
+              <a:rPr lang="en-US" altLang="ko-KR" b="1" dirty="0" err="1"/>
+              <a:t>Hyperauth</a:t>
+            </a:r>
+            <a:r>
               <a:rPr lang="en-US" altLang="ko-KR" b="1" dirty="0"/>
-              <a:t> </a:t>
-            </a:r>
-            <a:r>
-              <a:rPr lang="ko-KR" altLang="en-US" b="1" dirty="0"/>
-              <a:t>생체</a:t>
-            </a:r>
-            <a:r>
-              <a:rPr lang="en-US" altLang="ko-KR" b="1" dirty="0"/>
-              <a:t> </a:t>
-            </a:r>
-            <a:r>
-              <a:rPr lang="ko-KR" altLang="en-US" b="1" dirty="0"/>
-              <a:t>인증</a:t>
-            </a:r>
-            <a:r>
-              <a:rPr lang="en-US" altLang="ko-KR" b="1" dirty="0"/>
-              <a:t> Windows Hello</a:t>
-            </a:r>
-            <a:endParaRPr lang="en-US" altLang="ko-KR" b="1" dirty="0"/>
+              <a:t> Setting (Optional)</a:t>
+            </a:r>
           </a:p>
         </p:txBody>
       </p:sp>
@@ -4729,6 +4665,7 @@
           <a:p>
             <a:fld id="{46AE23CF-7DA0-4EBA-8411-E6590A2914FC}" type="slidenum">
               <a:rPr lang="ko-KR" altLang="en-US" smtClean="0"/>
+              <a:t>4</a:t>
             </a:fld>
             <a:r>
               <a:rPr lang="ko-KR" altLang="en-US" dirty="0"/>
@@ -4767,163 +4704,89 @@
               <a:rPr lang="en-US" altLang="ko-KR" sz="1600" dirty="0">
                 <a:latin typeface="+mn-ea"/>
               </a:rPr>
-              <a:t>- </a:t>
+              <a:t>- Authentication – Required Actions </a:t>
             </a:r>
             <a:r>
               <a:rPr lang="ko-KR" altLang="en-US" sz="1600" dirty="0">
                 <a:latin typeface="+mn-ea"/>
               </a:rPr>
-              <a:t>계정설정</a:t>
+              <a:t>에서 </a:t>
+            </a:r>
+            <a:r>
+              <a:rPr lang="en-US" altLang="ko-KR" sz="1600" dirty="0" err="1">
+                <a:latin typeface="+mn-ea"/>
+              </a:rPr>
+              <a:t>Webauthn</a:t>
             </a:r>
             <a:r>
               <a:rPr lang="en-US" altLang="ko-KR" sz="1600" dirty="0">
                 <a:latin typeface="+mn-ea"/>
               </a:rPr>
-              <a:t> - </a:t>
+              <a:t> Register </a:t>
+            </a:r>
+            <a:r>
+              <a:rPr lang="en-US" altLang="ko-KR" sz="1600" dirty="0" err="1">
+                <a:latin typeface="+mn-ea"/>
+              </a:rPr>
+              <a:t>Passwordless</a:t>
+            </a:r>
+            <a:r>
+              <a:rPr lang="en-US" altLang="ko-KR" sz="1600" dirty="0">
+                <a:latin typeface="+mn-ea"/>
+              </a:rPr>
+              <a:t> </a:t>
             </a:r>
             <a:r>
               <a:rPr lang="ko-KR" altLang="en-US" sz="1600" dirty="0">
                 <a:latin typeface="+mn-ea"/>
               </a:rPr>
-              <a:t>로그인</a:t>
+              <a:t>가 </a:t>
             </a:r>
             <a:r>
               <a:rPr lang="en-US" altLang="ko-KR" sz="1600" dirty="0">
                 <a:latin typeface="+mn-ea"/>
               </a:rPr>
-              <a:t> </a:t>
+              <a:t>Enable</a:t>
             </a:r>
             <a:r>
               <a:rPr lang="ko-KR" altLang="en-US" sz="1600" dirty="0">
                 <a:latin typeface="+mn-ea"/>
               </a:rPr>
-              <a:t>옵션</a:t>
+              <a:t>처리 되어있는지 확인한다</a:t>
             </a:r>
             <a:r>
               <a:rPr lang="en-US" altLang="ko-KR" sz="1600" dirty="0">
                 <a:latin typeface="+mn-ea"/>
               </a:rPr>
-              <a:t> - Windows Hello </a:t>
-            </a:r>
-            <a:r>
-              <a:rPr lang="ko-KR" altLang="en-US" sz="1600" dirty="0">
-                <a:latin typeface="+mn-ea"/>
-              </a:rPr>
-              <a:t>활성화</a:t>
-            </a:r>
-            <a:endParaRPr lang="ko-KR" altLang="en-US" sz="1600" dirty="0">
-              <a:latin typeface="+mn-ea"/>
-            </a:endParaRPr>
-          </a:p>
-          <a:p>
-            <a:r>
-              <a:rPr lang="en-US" altLang="ko-KR" sz="1600" dirty="0">
-                <a:latin typeface="+mn-ea"/>
-              </a:rPr>
-              <a:t>- https://m.post.naver.com/viewer/postView.nhn?volumeNo=11043871&amp;memberNo=1834</a:t>
-            </a:r>
-            <a:endParaRPr lang="en-US" altLang="ko-KR" sz="1600" dirty="0">
-              <a:latin typeface="+mn-ea"/>
-            </a:endParaRPr>
-          </a:p>
-          <a:p>
-            <a:r>
-              <a:rPr lang="en-US" altLang="ko-KR" sz="1600" dirty="0">
-                <a:latin typeface="+mn-ea"/>
-              </a:rPr>
-              <a:t>- </a:t>
-            </a:r>
-            <a:r>
-              <a:rPr lang="ko-KR" altLang="en-US" sz="1600" dirty="0">
-                <a:latin typeface="+mn-ea"/>
-              </a:rPr>
-              <a:t>얼굴인식</a:t>
-            </a:r>
-            <a:r>
-              <a:rPr lang="en-US" altLang="ko-KR" sz="1600" dirty="0">
-                <a:latin typeface="+mn-ea"/>
-              </a:rPr>
-              <a:t>, </a:t>
-            </a:r>
-            <a:r>
-              <a:rPr lang="ko-KR" altLang="en-US" sz="1600" dirty="0">
-                <a:latin typeface="+mn-ea"/>
-              </a:rPr>
-              <a:t>지문인식</a:t>
-            </a:r>
-            <a:r>
-              <a:rPr lang="en-US" altLang="ko-KR" sz="1600" dirty="0">
-                <a:latin typeface="+mn-ea"/>
-              </a:rPr>
-              <a:t>, PIN </a:t>
-            </a:r>
-            <a:r>
-              <a:rPr lang="ko-KR" altLang="en-US" sz="1600" dirty="0">
-                <a:latin typeface="+mn-ea"/>
-              </a:rPr>
-              <a:t>지원</a:t>
-            </a:r>
-            <a:r>
-              <a:rPr lang="en-US" altLang="ko-KR" sz="1600" dirty="0">
-                <a:latin typeface="+mn-ea"/>
-              </a:rPr>
-              <a:t>    </a:t>
-            </a:r>
-            <a:endParaRPr lang="en-US" altLang="ko-KR" sz="1600" dirty="0">
-              <a:latin typeface="+mn-ea"/>
-            </a:endParaRPr>
-          </a:p>
-        </p:txBody>
-      </p:sp>
-      <p:sp>
-        <p:nvSpPr>
-          <p:cNvPr id="6" name="직사각형 4"/>
-          <p:cNvSpPr/>
-          <p:nvPr/>
-        </p:nvSpPr>
-        <p:spPr>
-          <a:xfrm>
-            <a:off x="5681980" y="4763770"/>
-            <a:ext cx="2579370" cy="466090"/>
-          </a:xfrm>
-          <a:prstGeom prst="rect">
-            <a:avLst/>
-          </a:prstGeom>
-        </p:spPr>
-        <p:txBody>
-          <a:bodyPr wrap="square">
-            <a:noAutofit/>
-          </a:bodyPr>
-          <a:p>
-            <a:endParaRPr lang="en-US" altLang="ko-KR" sz="1200" b="1" dirty="0">
-              <a:solidFill>
-                <a:srgbClr val="FF0000"/>
-              </a:solidFill>
-              <a:latin typeface="+mn-ea"/>
-            </a:endParaRPr>
+              <a:t>.</a:t>
+            </a:r>
           </a:p>
         </p:txBody>
       </p:sp>
       <p:pic>
         <p:nvPicPr>
-          <p:cNvPr id="5" name="Content Placeholder 4"/>
+          <p:cNvPr id="8" name="그림 7">
+            <a:extLst>
+              <a:ext uri="{FF2B5EF4-FFF2-40B4-BE49-F238E27FC236}">
+                <a16:creationId xmlns:a16="http://schemas.microsoft.com/office/drawing/2014/main" id="{B8DBEB14-9CC2-7E1C-9C20-F25FCDEF3025}"/>
+              </a:ext>
+            </a:extLst>
+          </p:cNvPr>
           <p:cNvPicPr>
             <a:picLocks noChangeAspect="1"/>
           </p:cNvPicPr>
-          <p:nvPr>
-            <p:ph idx="1"/>
-          </p:nvPr>
+          <p:nvPr/>
         </p:nvPicPr>
         <p:blipFill>
-          <a:blip r:embed="rId1"/>
+          <a:blip r:embed="rId2"/>
           <a:stretch>
             <a:fillRect/>
           </a:stretch>
         </p:blipFill>
         <p:spPr>
           <a:xfrm>
-            <a:off x="513080" y="1870710"/>
-            <a:ext cx="6347460" cy="4522470"/>
+            <a:off x="559145" y="1690778"/>
+            <a:ext cx="7290893" cy="4818694"/>
           </a:xfrm>
           <a:prstGeom prst="rect">
             <a:avLst/>
@@ -4931,6 +4794,11 @@
         </p:spPr>
       </p:pic>
     </p:spTree>
+    <p:extLst>
+      <p:ext uri="{BB962C8B-B14F-4D97-AF65-F5344CB8AC3E}">
+        <p14:creationId xmlns:p14="http://schemas.microsoft.com/office/powerpoint/2010/main" val="2453893451"/>
+      </p:ext>
+    </p:extLst>
   </p:cSld>
   <p:clrMapOvr>
     <a:masterClrMapping/>
@@ -4988,9 +4856,8 @@
             </a:r>
             <a:r>
               <a:rPr lang="en-US" altLang="ko-KR" b="1" dirty="0"/>
-              <a:t> GoTrust ID</a:t>
-            </a:r>
-            <a:endParaRPr lang="en-US" altLang="ko-KR" b="1" dirty="0"/>
+              <a:t> Windows Hello</a:t>
+            </a:r>
           </a:p>
         </p:txBody>
       </p:sp>
@@ -5011,6 +4878,7 @@
           <a:p>
             <a:fld id="{46AE23CF-7DA0-4EBA-8411-E6590A2914FC}" type="slidenum">
               <a:rPr lang="ko-KR" altLang="en-US" smtClean="0"/>
+              <a:t>5</a:t>
             </a:fld>
             <a:r>
               <a:rPr lang="ko-KR" altLang="en-US" dirty="0"/>
@@ -5055,353 +4923,96 @@
               <a:rPr lang="ko-KR" altLang="en-US" sz="1600" dirty="0">
                 <a:latin typeface="+mn-ea"/>
               </a:rPr>
-              <a:t>스마트폰</a:t>
+              <a:t>계정설정</a:t>
             </a:r>
             <a:r>
               <a:rPr lang="en-US" altLang="ko-KR" sz="1600" dirty="0">
                 <a:latin typeface="+mn-ea"/>
               </a:rPr>
-              <a:t> Go Trust ID App </a:t>
+              <a:t> - </a:t>
             </a:r>
             <a:r>
               <a:rPr lang="ko-KR" altLang="en-US" sz="1600" dirty="0">
                 <a:latin typeface="+mn-ea"/>
               </a:rPr>
-              <a:t>설치</a:t>
+              <a:t>로그인</a:t>
             </a:r>
             <a:r>
               <a:rPr lang="en-US" altLang="ko-KR" sz="1600" dirty="0">
                 <a:latin typeface="+mn-ea"/>
               </a:rPr>
-              <a:t> ( Android, ios </a:t>
+              <a:t> </a:t>
             </a:r>
             <a:r>
               <a:rPr lang="ko-KR" altLang="en-US" sz="1600" dirty="0">
                 <a:latin typeface="+mn-ea"/>
               </a:rPr>
-              <a:t>둘다</a:t>
+              <a:t>옵션</a:t>
             </a:r>
             <a:r>
               <a:rPr lang="en-US" altLang="ko-KR" sz="1600" dirty="0">
                 <a:latin typeface="+mn-ea"/>
               </a:rPr>
-              <a:t> </a:t>
+              <a:t> - Windows Hello </a:t>
             </a:r>
             <a:r>
               <a:rPr lang="ko-KR" altLang="en-US" sz="1600" dirty="0">
                 <a:latin typeface="+mn-ea"/>
               </a:rPr>
+              <a:t>활성화</a:t>
+            </a:r>
+          </a:p>
+          <a:p>
+            <a:r>
+              <a:rPr lang="en-US" altLang="ko-KR" sz="1600" dirty="0">
+                <a:latin typeface="+mn-ea"/>
+              </a:rPr>
+              <a:t>- https://m.post.naver.com/viewer/postView.nhn?volumeNo=11043871&amp;memberNo=1834</a:t>
+            </a:r>
+          </a:p>
+          <a:p>
+            <a:r>
+              <a:rPr lang="en-US" altLang="ko-KR" sz="1600" dirty="0">
+                <a:latin typeface="+mn-ea"/>
+              </a:rPr>
+              <a:t>- </a:t>
+            </a:r>
+            <a:r>
+              <a:rPr lang="ko-KR" altLang="en-US" sz="1600" dirty="0">
+                <a:latin typeface="+mn-ea"/>
+              </a:rPr>
+              <a:t>얼굴인식</a:t>
+            </a:r>
+            <a:r>
+              <a:rPr lang="en-US" altLang="ko-KR" sz="1600" dirty="0">
+                <a:latin typeface="+mn-ea"/>
+              </a:rPr>
+              <a:t>, </a:t>
+            </a:r>
+            <a:r>
+              <a:rPr lang="ko-KR" altLang="en-US" sz="1600" dirty="0">
+                <a:latin typeface="+mn-ea"/>
+              </a:rPr>
+              <a:t>지문인식</a:t>
+            </a:r>
+            <a:r>
+              <a:rPr lang="en-US" altLang="ko-KR" sz="1600" dirty="0">
+                <a:latin typeface="+mn-ea"/>
+              </a:rPr>
+              <a:t>, PIN </a:t>
+            </a:r>
+            <a:r>
+              <a:rPr lang="ko-KR" altLang="en-US" sz="1600" dirty="0">
+                <a:latin typeface="+mn-ea"/>
+              </a:rPr>
               <a:t>지원</a:t>
             </a:r>
             <a:r>
               <a:rPr lang="en-US" altLang="ko-KR" sz="1600" dirty="0">
                 <a:latin typeface="+mn-ea"/>
               </a:rPr>
-              <a:t> )</a:t>
-            </a:r>
-            <a:endParaRPr lang="en-US" altLang="ko-KR" sz="1600" dirty="0">
-              <a:latin typeface="+mn-ea"/>
-            </a:endParaRPr>
-          </a:p>
-          <a:p>
-            <a:r>
-              <a:rPr lang="en-US" altLang="ko-KR" sz="1600" dirty="0">
-                <a:latin typeface="+mn-ea"/>
-              </a:rPr>
-              <a:t>- </a:t>
-            </a:r>
-            <a:r>
-              <a:rPr lang="ko-KR" altLang="en-US" sz="1600" dirty="0">
-                <a:latin typeface="+mn-ea"/>
-              </a:rPr>
-              <a:t>블루투스</a:t>
-            </a:r>
-            <a:r>
-              <a:rPr lang="en-US" altLang="ko-KR" sz="1600" dirty="0">
-                <a:latin typeface="+mn-ea"/>
-              </a:rPr>
-              <a:t> </a:t>
-            </a:r>
-            <a:r>
-              <a:rPr lang="ko-KR" altLang="en-US" sz="1600" dirty="0">
-                <a:latin typeface="+mn-ea"/>
-              </a:rPr>
-              <a:t>방식으로</a:t>
-            </a:r>
-            <a:r>
-              <a:rPr lang="en-US" altLang="ko-KR" sz="1600" dirty="0">
-                <a:latin typeface="+mn-ea"/>
-              </a:rPr>
-              <a:t> PC </a:t>
-            </a:r>
-            <a:r>
-              <a:rPr lang="ko-KR" altLang="en-US" sz="1600" dirty="0">
-                <a:latin typeface="+mn-ea"/>
-              </a:rPr>
-              <a:t>및</a:t>
-            </a:r>
-            <a:r>
-              <a:rPr lang="en-US" altLang="ko-KR" sz="1600" dirty="0">
-                <a:latin typeface="+mn-ea"/>
-              </a:rPr>
-              <a:t> </a:t>
-            </a:r>
-            <a:r>
-              <a:rPr lang="ko-KR" altLang="en-US" sz="1600" dirty="0">
-                <a:latin typeface="+mn-ea"/>
-              </a:rPr>
-              <a:t>태블릿에</a:t>
-            </a:r>
-            <a:r>
-              <a:rPr lang="en-US" altLang="ko-KR" sz="1600" dirty="0">
-                <a:latin typeface="+mn-ea"/>
-              </a:rPr>
-              <a:t> </a:t>
-            </a:r>
-            <a:r>
-              <a:rPr lang="ko-KR" altLang="en-US" sz="1600" dirty="0">
-                <a:latin typeface="+mn-ea"/>
-              </a:rPr>
-              <a:t>연동</a:t>
-            </a:r>
-            <a:endParaRPr lang="ko-KR" altLang="en-US" sz="1600" dirty="0">
-              <a:latin typeface="+mn-ea"/>
-            </a:endParaRPr>
-          </a:p>
-          <a:p>
-            <a:r>
-              <a:rPr lang="en-US" altLang="ko-KR" sz="1600" dirty="0">
-                <a:latin typeface="+mn-ea"/>
-              </a:rPr>
-              <a:t>- https://www.gotrustid.com/for-individual</a:t>
-            </a:r>
-            <a:endParaRPr lang="en-US" altLang="ko-KR" sz="1600" dirty="0">
-              <a:latin typeface="+mn-ea"/>
-            </a:endParaRPr>
-          </a:p>
-          <a:p>
-            <a:r>
-              <a:rPr lang="en-US" altLang="ko-KR" sz="1600" dirty="0">
-                <a:latin typeface="+mn-ea"/>
-              </a:rPr>
-              <a:t>- </a:t>
-            </a:r>
-            <a:r>
-              <a:rPr lang="ko-KR" altLang="en-US" sz="1600" dirty="0">
-                <a:latin typeface="+mn-ea"/>
-              </a:rPr>
-              <a:t>스마트폰이</a:t>
-            </a:r>
-            <a:r>
-              <a:rPr lang="en-US" altLang="ko-KR" sz="1600" dirty="0">
-                <a:latin typeface="+mn-ea"/>
-              </a:rPr>
-              <a:t> </a:t>
-            </a:r>
-            <a:r>
-              <a:rPr lang="ko-KR" altLang="en-US" sz="1600" dirty="0">
-                <a:latin typeface="+mn-ea"/>
-              </a:rPr>
-              <a:t>근처에</a:t>
-            </a:r>
-            <a:r>
-              <a:rPr lang="en-US" altLang="ko-KR" sz="1600" dirty="0">
-                <a:latin typeface="+mn-ea"/>
-              </a:rPr>
-              <a:t> </a:t>
-            </a:r>
-            <a:r>
-              <a:rPr lang="ko-KR" altLang="en-US" sz="1600" dirty="0">
-                <a:latin typeface="+mn-ea"/>
-              </a:rPr>
-              <a:t>있으면</a:t>
-            </a:r>
-            <a:r>
-              <a:rPr lang="en-US" altLang="ko-KR" sz="1600" dirty="0">
-                <a:latin typeface="+mn-ea"/>
-              </a:rPr>
-              <a:t> </a:t>
-            </a:r>
-            <a:r>
-              <a:rPr lang="ko-KR" altLang="en-US" sz="1600" dirty="0">
-                <a:latin typeface="+mn-ea"/>
-              </a:rPr>
-              <a:t>인증</a:t>
-            </a:r>
-            <a:endParaRPr lang="ko-KR" altLang="en-US" sz="1600" dirty="0">
-              <a:latin typeface="+mn-ea"/>
-            </a:endParaRPr>
-          </a:p>
-          <a:p>
-            <a:r>
-              <a:rPr lang="en-US" altLang="ko-KR" sz="1600" dirty="0">
-                <a:latin typeface="+mn-ea"/>
-              </a:rPr>
-              <a:t>- </a:t>
-            </a:r>
-            <a:r>
-              <a:rPr lang="ko-KR" altLang="en-US" sz="1600" dirty="0">
-                <a:latin typeface="+mn-ea"/>
-              </a:rPr>
-              <a:t>유료버전</a:t>
-            </a:r>
-            <a:r>
-              <a:rPr lang="en-US" altLang="ko-KR" sz="1600" dirty="0">
-                <a:latin typeface="+mn-ea"/>
-              </a:rPr>
-              <a:t> </a:t>
-            </a:r>
-            <a:r>
-              <a:rPr lang="ko-KR" altLang="en-US" sz="1600" dirty="0">
-                <a:latin typeface="+mn-ea"/>
-              </a:rPr>
-              <a:t>사용시</a:t>
-            </a:r>
-            <a:r>
-              <a:rPr lang="en-US" altLang="ko-KR" sz="1600" dirty="0">
-                <a:latin typeface="+mn-ea"/>
-              </a:rPr>
-              <a:t>, </a:t>
-            </a:r>
-            <a:r>
-              <a:rPr lang="ko-KR" altLang="en-US" sz="1600" dirty="0">
-                <a:latin typeface="+mn-ea"/>
-              </a:rPr>
-              <a:t>스마트폰</a:t>
-            </a:r>
-            <a:r>
-              <a:rPr lang="en-US" altLang="ko-KR" sz="1600" dirty="0">
-                <a:latin typeface="+mn-ea"/>
-              </a:rPr>
-              <a:t> </a:t>
-            </a:r>
-            <a:r>
-              <a:rPr lang="ko-KR" altLang="en-US" sz="1600" dirty="0">
-                <a:latin typeface="+mn-ea"/>
-              </a:rPr>
-              <a:t>지문인식</a:t>
-            </a:r>
-            <a:r>
-              <a:rPr lang="en-US" altLang="ko-KR" sz="1600" dirty="0">
-                <a:latin typeface="+mn-ea"/>
-              </a:rPr>
-              <a:t> </a:t>
-            </a:r>
-            <a:r>
-              <a:rPr lang="ko-KR" altLang="en-US" sz="1600" dirty="0">
-                <a:latin typeface="+mn-ea"/>
-              </a:rPr>
-              <a:t>사용으로</a:t>
-            </a:r>
-            <a:r>
-              <a:rPr lang="en-US" altLang="ko-KR" sz="1600" dirty="0">
-                <a:latin typeface="+mn-ea"/>
-              </a:rPr>
-              <a:t> </a:t>
-            </a:r>
-            <a:r>
-              <a:rPr lang="ko-KR" altLang="en-US" sz="1600" dirty="0">
-                <a:latin typeface="+mn-ea"/>
-              </a:rPr>
-              <a:t>보안강화</a:t>
-            </a:r>
-            <a:r>
-              <a:rPr lang="en-US" altLang="ko-KR" sz="1600" dirty="0">
-                <a:latin typeface="+mn-ea"/>
-              </a:rPr>
-              <a:t> </a:t>
-            </a:r>
-            <a:r>
-              <a:rPr lang="ko-KR" altLang="en-US" sz="1600" dirty="0">
-                <a:latin typeface="+mn-ea"/>
-              </a:rPr>
-              <a:t>가능</a:t>
-            </a:r>
-            <a:endParaRPr lang="ko-KR" altLang="en-US" sz="1600" dirty="0">
-              <a:latin typeface="+mn-ea"/>
-            </a:endParaRPr>
-          </a:p>
-          <a:p>
-            <a:endParaRPr lang="ko-KR" altLang="en-US" sz="1600" dirty="0">
-              <a:latin typeface="+mn-ea"/>
-            </a:endParaRPr>
-          </a:p>
-          <a:p>
-            <a:endParaRPr lang="ko-KR" altLang="en-US" sz="1600" dirty="0">
-              <a:latin typeface="+mn-ea"/>
-            </a:endParaRPr>
-          </a:p>
-          <a:p>
-            <a:endParaRPr lang="ko-KR" altLang="en-US" sz="1600" dirty="0">
-              <a:latin typeface="+mn-ea"/>
-            </a:endParaRPr>
-          </a:p>
-          <a:p>
-            <a:endParaRPr lang="ko-KR" altLang="en-US" sz="1600" dirty="0">
-              <a:latin typeface="+mn-ea"/>
-            </a:endParaRPr>
-          </a:p>
-          <a:p>
-            <a:endParaRPr lang="ko-KR" altLang="en-US" sz="1600" dirty="0">
-              <a:latin typeface="+mn-ea"/>
-            </a:endParaRPr>
-          </a:p>
-          <a:p>
-            <a:endParaRPr lang="ko-KR" altLang="en-US" sz="1600" dirty="0">
-              <a:latin typeface="+mn-ea"/>
-            </a:endParaRPr>
-          </a:p>
-          <a:p>
-            <a:endParaRPr lang="ko-KR" altLang="en-US" sz="1600" dirty="0">
-              <a:latin typeface="+mn-ea"/>
-            </a:endParaRPr>
-          </a:p>
-          <a:p>
-            <a:endParaRPr lang="ko-KR" altLang="en-US" sz="1600" dirty="0">
-              <a:latin typeface="+mn-ea"/>
-            </a:endParaRPr>
-          </a:p>
-          <a:p>
-            <a:endParaRPr lang="ko-KR" altLang="en-US" sz="1600" dirty="0">
-              <a:latin typeface="+mn-ea"/>
-            </a:endParaRPr>
-          </a:p>
-          <a:p>
-            <a:endParaRPr lang="ko-KR" altLang="en-US" sz="1600" dirty="0">
-              <a:latin typeface="+mn-ea"/>
-            </a:endParaRPr>
-          </a:p>
-          <a:p>
-            <a:endParaRPr lang="ko-KR" altLang="en-US" sz="1600" dirty="0">
-              <a:latin typeface="+mn-ea"/>
-            </a:endParaRPr>
-          </a:p>
-          <a:p>
-            <a:endParaRPr lang="ko-KR" altLang="en-US" sz="1600" dirty="0">
-              <a:latin typeface="+mn-ea"/>
-            </a:endParaRPr>
-          </a:p>
-          <a:p>
-            <a:r>
-              <a:rPr lang="en-US" altLang="ko-KR" sz="1600" dirty="0">
-                <a:latin typeface="+mn-ea"/>
-              </a:rPr>
-              <a:t>  </a:t>
-            </a:r>
-            <a:endParaRPr lang="en-US" altLang="ko-KR" sz="1600" dirty="0">
-              <a:latin typeface="+mn-ea"/>
-            </a:endParaRPr>
-          </a:p>
-          <a:p>
-            <a:r>
-              <a:rPr lang="en-US" altLang="ko-KR" sz="1600" dirty="0">
-                <a:latin typeface="+mn-ea"/>
-              </a:rPr>
               <a:t>    </a:t>
             </a:r>
-            <a:endParaRPr lang="en-US" altLang="ko-KR" sz="1600" dirty="0">
-              <a:latin typeface="+mn-ea"/>
-            </a:endParaRPr>
           </a:p>
         </p:txBody>
       </p:sp>
@@ -5424,6 +5035,7 @@
           <a:bodyPr wrap="square">
             <a:noAutofit/>
           </a:bodyPr>
+          <a:lstStyle/>
           <a:p>
             <a:endParaRPr lang="en-US" altLang="ko-KR" sz="1200" b="1" dirty="0">
               <a:solidFill>
@@ -5436,293 +5048,30 @@
       </p:sp>
       <p:pic>
         <p:nvPicPr>
-          <p:cNvPr id="7" name="Content Placeholder 6"/>
+          <p:cNvPr id="5" name="Content Placeholder 4"/>
           <p:cNvPicPr>
-            <a:picLocks noChangeAspect="1"/>
+            <a:picLocks noGrp="1" noChangeAspect="1"/>
           </p:cNvPicPr>
           <p:nvPr>
             <p:ph idx="1"/>
           </p:nvPr>
         </p:nvPicPr>
         <p:blipFill>
-          <a:blip r:embed="rId1"/>
+          <a:blip r:embed="rId2"/>
           <a:stretch>
             <a:fillRect/>
           </a:stretch>
         </p:blipFill>
         <p:spPr>
           <a:xfrm>
-            <a:off x="6374130" y="906145"/>
-            <a:ext cx="2639695" cy="4941570"/>
+            <a:off x="513080" y="1870710"/>
+            <a:ext cx="6347460" cy="4522470"/>
           </a:xfrm>
           <a:prstGeom prst="rect">
             <a:avLst/>
           </a:prstGeom>
         </p:spPr>
       </p:pic>
-      <p:sp>
-        <p:nvSpPr>
-          <p:cNvPr id="8" name="직사각형 4"/>
-          <p:cNvSpPr/>
-          <p:nvPr/>
-        </p:nvSpPr>
-        <p:spPr>
-          <a:xfrm>
-            <a:off x="268605" y="5289550"/>
-            <a:ext cx="5264150" cy="1470025"/>
-          </a:xfrm>
-          <a:prstGeom prst="rect">
-            <a:avLst/>
-          </a:prstGeom>
-        </p:spPr>
-        <p:txBody>
-          <a:bodyPr wrap="square">
-            <a:noAutofit/>
-          </a:bodyPr>
-          <a:p>
-            <a:r>
-              <a:rPr lang="ko-KR" altLang="en-US" sz="1600" b="1" u="sng" dirty="0">
-                <a:solidFill>
-                  <a:srgbClr val="FF0000"/>
-                </a:solidFill>
-                <a:latin typeface="+mn-ea"/>
-              </a:rPr>
-              <a:t>이외에도</a:t>
-            </a:r>
-            <a:r>
-              <a:rPr lang="en-US" altLang="ko-KR" sz="1600" b="1" u="sng" dirty="0">
-                <a:solidFill>
-                  <a:srgbClr val="FF0000"/>
-                </a:solidFill>
-                <a:latin typeface="+mn-ea"/>
-              </a:rPr>
-              <a:t>, </a:t>
-            </a:r>
-            <a:r>
-              <a:rPr lang="ko-KR" altLang="en-US" sz="1600" b="1" u="sng" dirty="0">
-                <a:solidFill>
-                  <a:srgbClr val="FF0000"/>
-                </a:solidFill>
-                <a:latin typeface="+mn-ea"/>
-              </a:rPr>
-              <a:t>추가로</a:t>
-            </a:r>
-            <a:r>
-              <a:rPr lang="en-US" altLang="ko-KR" sz="1600" b="1" u="sng" dirty="0">
-                <a:solidFill>
-                  <a:srgbClr val="FF0000"/>
-                </a:solidFill>
-                <a:latin typeface="+mn-ea"/>
-              </a:rPr>
-              <a:t> Fido protocol</a:t>
-            </a:r>
-            <a:r>
-              <a:rPr lang="ko-KR" altLang="en-US" sz="1600" b="1" u="sng" dirty="0">
-                <a:solidFill>
-                  <a:srgbClr val="FF0000"/>
-                </a:solidFill>
-                <a:latin typeface="+mn-ea"/>
-              </a:rPr>
-              <a:t>을</a:t>
-            </a:r>
-            <a:r>
-              <a:rPr lang="en-US" altLang="ko-KR" sz="1600" b="1" u="sng" dirty="0">
-                <a:solidFill>
-                  <a:srgbClr val="FF0000"/>
-                </a:solidFill>
-                <a:latin typeface="+mn-ea"/>
-              </a:rPr>
-              <a:t> </a:t>
-            </a:r>
-            <a:r>
-              <a:rPr lang="ko-KR" altLang="en-US" sz="1600" b="1" u="sng" dirty="0">
-                <a:solidFill>
-                  <a:srgbClr val="FF0000"/>
-                </a:solidFill>
-                <a:latin typeface="+mn-ea"/>
-              </a:rPr>
-              <a:t>만족하는</a:t>
-            </a:r>
-            <a:r>
-              <a:rPr lang="en-US" altLang="ko-KR" sz="1600" b="1" u="sng" dirty="0">
-                <a:solidFill>
-                  <a:srgbClr val="FF0000"/>
-                </a:solidFill>
-                <a:latin typeface="+mn-ea"/>
-              </a:rPr>
-              <a:t> </a:t>
-            </a:r>
-            <a:r>
-              <a:rPr lang="ko-KR" altLang="en-US" sz="1600" b="1" u="sng" dirty="0">
-                <a:solidFill>
-                  <a:srgbClr val="FF0000"/>
-                </a:solidFill>
-                <a:latin typeface="+mn-ea"/>
-              </a:rPr>
-              <a:t>보안</a:t>
-            </a:r>
-            <a:r>
-              <a:rPr lang="en-US" altLang="ko-KR" sz="1600" b="1" u="sng" dirty="0">
-                <a:solidFill>
-                  <a:srgbClr val="FF0000"/>
-                </a:solidFill>
-                <a:latin typeface="+mn-ea"/>
-              </a:rPr>
-              <a:t> </a:t>
-            </a:r>
-            <a:r>
-              <a:rPr lang="ko-KR" altLang="en-US" sz="1600" b="1" u="sng" dirty="0">
-                <a:solidFill>
-                  <a:srgbClr val="FF0000"/>
-                </a:solidFill>
-                <a:latin typeface="+mn-ea"/>
-              </a:rPr>
-              <a:t>수단을</a:t>
-            </a:r>
-            <a:r>
-              <a:rPr lang="en-US" altLang="ko-KR" sz="1600" b="1" u="sng" dirty="0">
-                <a:solidFill>
-                  <a:srgbClr val="FF0000"/>
-                </a:solidFill>
-                <a:latin typeface="+mn-ea"/>
-              </a:rPr>
-              <a:t> </a:t>
-            </a:r>
-            <a:r>
-              <a:rPr lang="ko-KR" altLang="en-US" sz="1600" b="1" u="sng" dirty="0">
-                <a:solidFill>
-                  <a:srgbClr val="FF0000"/>
-                </a:solidFill>
-                <a:latin typeface="+mn-ea"/>
-              </a:rPr>
-              <a:t>추가하면</a:t>
-            </a:r>
-            <a:r>
-              <a:rPr lang="en-US" altLang="ko-KR" sz="1600" b="1" u="sng" dirty="0">
-                <a:solidFill>
-                  <a:srgbClr val="FF0000"/>
-                </a:solidFill>
-                <a:latin typeface="+mn-ea"/>
-              </a:rPr>
-              <a:t> </a:t>
-            </a:r>
-            <a:r>
-              <a:rPr lang="ko-KR" altLang="en-US" sz="1600" b="1" u="sng" dirty="0">
-                <a:solidFill>
-                  <a:srgbClr val="FF0000"/>
-                </a:solidFill>
-                <a:latin typeface="+mn-ea"/>
-              </a:rPr>
-              <a:t>자유롭게</a:t>
-            </a:r>
-            <a:r>
-              <a:rPr lang="en-US" altLang="ko-KR" sz="1600" b="1" u="sng" dirty="0">
-                <a:solidFill>
-                  <a:srgbClr val="FF0000"/>
-                </a:solidFill>
-                <a:latin typeface="+mn-ea"/>
-              </a:rPr>
-              <a:t> </a:t>
-            </a:r>
-            <a:r>
-              <a:rPr lang="ko-KR" altLang="en-US" sz="1600" b="1" u="sng" dirty="0">
-                <a:solidFill>
-                  <a:srgbClr val="FF0000"/>
-                </a:solidFill>
-                <a:latin typeface="+mn-ea"/>
-              </a:rPr>
-              <a:t>인증수단을</a:t>
-            </a:r>
-            <a:r>
-              <a:rPr lang="en-US" altLang="ko-KR" sz="1600" b="1" u="sng" dirty="0">
-                <a:solidFill>
-                  <a:srgbClr val="FF0000"/>
-                </a:solidFill>
-                <a:latin typeface="+mn-ea"/>
-              </a:rPr>
-              <a:t> </a:t>
-            </a:r>
-            <a:r>
-              <a:rPr lang="ko-KR" altLang="en-US" sz="1600" b="1" u="sng" dirty="0">
-                <a:solidFill>
-                  <a:srgbClr val="FF0000"/>
-                </a:solidFill>
-                <a:latin typeface="+mn-ea"/>
-              </a:rPr>
-              <a:t>추가</a:t>
-            </a:r>
-            <a:r>
-              <a:rPr lang="en-US" altLang="ko-KR" sz="1600" b="1" u="sng" dirty="0">
-                <a:solidFill>
-                  <a:srgbClr val="FF0000"/>
-                </a:solidFill>
-                <a:latin typeface="+mn-ea"/>
-              </a:rPr>
-              <a:t> </a:t>
-            </a:r>
-            <a:r>
-              <a:rPr lang="ko-KR" altLang="en-US" sz="1600" b="1" u="sng" dirty="0">
-                <a:solidFill>
-                  <a:srgbClr val="FF0000"/>
-                </a:solidFill>
-                <a:latin typeface="+mn-ea"/>
-              </a:rPr>
-              <a:t>할</a:t>
-            </a:r>
-            <a:r>
-              <a:rPr lang="en-US" altLang="ko-KR" sz="1600" b="1" u="sng" dirty="0">
-                <a:solidFill>
-                  <a:srgbClr val="FF0000"/>
-                </a:solidFill>
-                <a:latin typeface="+mn-ea"/>
-              </a:rPr>
-              <a:t> </a:t>
-            </a:r>
-            <a:r>
-              <a:rPr lang="ko-KR" altLang="en-US" sz="1600" b="1" u="sng" dirty="0">
-                <a:solidFill>
-                  <a:srgbClr val="FF0000"/>
-                </a:solidFill>
-                <a:latin typeface="+mn-ea"/>
-              </a:rPr>
-              <a:t>수</a:t>
-            </a:r>
-            <a:r>
-              <a:rPr lang="en-US" altLang="ko-KR" sz="1600" b="1" u="sng" dirty="0">
-                <a:solidFill>
-                  <a:srgbClr val="FF0000"/>
-                </a:solidFill>
-                <a:latin typeface="+mn-ea"/>
-              </a:rPr>
-              <a:t> </a:t>
-            </a:r>
-            <a:r>
-              <a:rPr lang="ko-KR" altLang="en-US" sz="1600" b="1" u="sng" dirty="0">
-                <a:solidFill>
-                  <a:srgbClr val="FF0000"/>
-                </a:solidFill>
-                <a:latin typeface="+mn-ea"/>
-              </a:rPr>
-              <a:t>있다</a:t>
-            </a:r>
-            <a:r>
-              <a:rPr lang="en-US" altLang="ko-KR" sz="1600" b="1" u="sng" dirty="0">
-                <a:solidFill>
-                  <a:srgbClr val="FF0000"/>
-                </a:solidFill>
-                <a:latin typeface="+mn-ea"/>
-              </a:rPr>
-              <a:t>.</a:t>
-            </a:r>
-            <a:endParaRPr lang="en-US" altLang="ko-KR" sz="1600" b="1" u="sng" dirty="0">
-              <a:solidFill>
-                <a:srgbClr val="FF0000"/>
-              </a:solidFill>
-              <a:latin typeface="+mn-ea"/>
-            </a:endParaRPr>
-          </a:p>
-        </p:txBody>
-      </p:sp>
     </p:spTree>
   </p:cSld>
   <p:clrMapOvr>
@@ -5781,17 +5130,8 @@
             </a:r>
             <a:r>
               <a:rPr lang="en-US" altLang="ko-KR" b="1" dirty="0"/>
-              <a:t> </a:t>
-            </a:r>
-            <a:r>
-              <a:rPr lang="ko-KR" altLang="en-US" b="1" dirty="0"/>
-              <a:t>활</a:t>
-            </a:r>
-            <a:r>
-              <a:rPr lang="ko-KR" altLang="en-US" b="1" dirty="0"/>
-              <a:t>성화</a:t>
-            </a:r>
-            <a:endParaRPr lang="ko-KR" altLang="en-US" b="1" dirty="0"/>
+              <a:t> GoTrust ID</a:t>
+            </a:r>
           </a:p>
         </p:txBody>
       </p:sp>
@@ -5812,6 +5152,7 @@
           <a:p>
             <a:fld id="{46AE23CF-7DA0-4EBA-8411-E6590A2914FC}" type="slidenum">
               <a:rPr lang="ko-KR" altLang="en-US" smtClean="0"/>
+              <a:t>6</a:t>
             </a:fld>
             <a:r>
               <a:rPr lang="ko-KR" altLang="en-US" dirty="0"/>
@@ -5853,40 +5194,186 @@
               <a:t>- </a:t>
             </a:r>
             <a:r>
-              <a:rPr lang="en-US" sz="1600" dirty="0">
-                <a:latin typeface="+mn-ea"/>
-              </a:rPr>
-              <a:t>Account Console - 2</a:t>
-            </a:r>
-            <a:r>
               <a:rPr lang="ko-KR" altLang="en-US" sz="1600" dirty="0">
                 <a:latin typeface="+mn-ea"/>
               </a:rPr>
-              <a:t>차</a:t>
+              <a:t>스마트폰</a:t>
             </a:r>
             <a:r>
               <a:rPr lang="en-US" altLang="ko-KR" sz="1600" dirty="0">
                 <a:latin typeface="+mn-ea"/>
               </a:rPr>
-              <a:t> </a:t>
+              <a:t> Go Trust ID App </a:t>
             </a:r>
             <a:r>
               <a:rPr lang="ko-KR" altLang="en-US" sz="1600" dirty="0">
                 <a:latin typeface="+mn-ea"/>
               </a:rPr>
+              <a:t>설치</a:t>
+            </a:r>
+            <a:r>
+              <a:rPr lang="en-US" altLang="ko-KR" sz="1600" dirty="0">
+                <a:latin typeface="+mn-ea"/>
+              </a:rPr>
+              <a:t> ( Android, ios </a:t>
+            </a:r>
+            <a:r>
+              <a:rPr lang="ko-KR" altLang="en-US" sz="1600" dirty="0">
+                <a:latin typeface="+mn-ea"/>
+              </a:rPr>
+              <a:t>둘다</a:t>
+            </a:r>
+            <a:r>
+              <a:rPr lang="en-US" altLang="ko-KR" sz="1600" dirty="0">
+                <a:latin typeface="+mn-ea"/>
+              </a:rPr>
+              <a:t> </a:t>
+            </a:r>
+            <a:r>
+              <a:rPr lang="ko-KR" altLang="en-US" sz="1600" dirty="0">
+                <a:latin typeface="+mn-ea"/>
+              </a:rPr>
+              <a:t>지원</a:t>
+            </a:r>
+            <a:r>
+              <a:rPr lang="en-US" altLang="ko-KR" sz="1600" dirty="0">
+                <a:latin typeface="+mn-ea"/>
+              </a:rPr>
+              <a:t> )</a:t>
+            </a:r>
+          </a:p>
+          <a:p>
+            <a:r>
+              <a:rPr lang="en-US" altLang="ko-KR" sz="1600" dirty="0">
+                <a:latin typeface="+mn-ea"/>
+              </a:rPr>
+              <a:t>- </a:t>
+            </a:r>
+            <a:r>
+              <a:rPr lang="ko-KR" altLang="en-US" sz="1600" dirty="0">
+                <a:latin typeface="+mn-ea"/>
+              </a:rPr>
+              <a:t>블루투스</a:t>
+            </a:r>
+            <a:r>
+              <a:rPr lang="en-US" altLang="ko-KR" sz="1600" dirty="0">
+                <a:latin typeface="+mn-ea"/>
+              </a:rPr>
+              <a:t> </a:t>
+            </a:r>
+            <a:r>
+              <a:rPr lang="ko-KR" altLang="en-US" sz="1600" dirty="0">
+                <a:latin typeface="+mn-ea"/>
+              </a:rPr>
+              <a:t>방식으로</a:t>
+            </a:r>
+            <a:r>
+              <a:rPr lang="en-US" altLang="ko-KR" sz="1600" dirty="0">
+                <a:latin typeface="+mn-ea"/>
+              </a:rPr>
+              <a:t> PC </a:t>
+            </a:r>
+            <a:r>
+              <a:rPr lang="ko-KR" altLang="en-US" sz="1600" dirty="0">
+                <a:latin typeface="+mn-ea"/>
+              </a:rPr>
+              <a:t>및</a:t>
+            </a:r>
+            <a:r>
+              <a:rPr lang="en-US" altLang="ko-KR" sz="1600" dirty="0">
+                <a:latin typeface="+mn-ea"/>
+              </a:rPr>
+              <a:t> </a:t>
+            </a:r>
+            <a:r>
+              <a:rPr lang="ko-KR" altLang="en-US" sz="1600" dirty="0">
+                <a:latin typeface="+mn-ea"/>
+              </a:rPr>
+              <a:t>태블릿에</a:t>
+            </a:r>
+            <a:r>
+              <a:rPr lang="en-US" altLang="ko-KR" sz="1600" dirty="0">
+                <a:latin typeface="+mn-ea"/>
+              </a:rPr>
+              <a:t> </a:t>
+            </a:r>
+            <a:r>
+              <a:rPr lang="ko-KR" altLang="en-US" sz="1600" dirty="0">
+                <a:latin typeface="+mn-ea"/>
+              </a:rPr>
+              <a:t>연동</a:t>
+            </a:r>
+          </a:p>
+          <a:p>
+            <a:r>
+              <a:rPr lang="en-US" altLang="ko-KR" sz="1600" dirty="0">
+                <a:latin typeface="+mn-ea"/>
+              </a:rPr>
+              <a:t>- https://www.gotrustid.com/for-individual</a:t>
+            </a:r>
+          </a:p>
+          <a:p>
+            <a:r>
+              <a:rPr lang="en-US" altLang="ko-KR" sz="1600" dirty="0">
+                <a:latin typeface="+mn-ea"/>
+              </a:rPr>
+              <a:t>- </a:t>
+            </a:r>
+            <a:r>
+              <a:rPr lang="ko-KR" altLang="en-US" sz="1600" dirty="0">
+                <a:latin typeface="+mn-ea"/>
+              </a:rPr>
+              <a:t>스마트폰이</a:t>
+            </a:r>
+            <a:r>
+              <a:rPr lang="en-US" altLang="ko-KR" sz="1600" dirty="0">
+                <a:latin typeface="+mn-ea"/>
+              </a:rPr>
+              <a:t> </a:t>
+            </a:r>
+            <a:r>
+              <a:rPr lang="ko-KR" altLang="en-US" sz="1600" dirty="0">
+                <a:latin typeface="+mn-ea"/>
+              </a:rPr>
+              <a:t>근처에</a:t>
+            </a:r>
+            <a:r>
+              <a:rPr lang="en-US" altLang="ko-KR" sz="1600" dirty="0">
+                <a:latin typeface="+mn-ea"/>
+              </a:rPr>
+              <a:t> </a:t>
+            </a:r>
+            <a:r>
+              <a:rPr lang="ko-KR" altLang="en-US" sz="1600" dirty="0">
+                <a:latin typeface="+mn-ea"/>
+              </a:rPr>
+              <a:t>있으면</a:t>
+            </a:r>
+            <a:r>
+              <a:rPr lang="en-US" altLang="ko-KR" sz="1600" dirty="0">
+                <a:latin typeface="+mn-ea"/>
+              </a:rPr>
+              <a:t> </a:t>
+            </a:r>
+            <a:r>
+              <a:rPr lang="ko-KR" altLang="en-US" sz="1600" dirty="0">
+                <a:latin typeface="+mn-ea"/>
+              </a:rPr>
               <a:t>인증</a:t>
             </a:r>
+          </a:p>
+          <a:p>
             <a:r>
               <a:rPr lang="en-US" altLang="ko-KR" sz="1600" dirty="0">
                 <a:latin typeface="+mn-ea"/>
               </a:rPr>
-              <a:t> </a:t>
+              <a:t>- </a:t>
             </a:r>
             <a:r>
               <a:rPr lang="ko-KR" altLang="en-US" sz="1600" dirty="0">
                 <a:latin typeface="+mn-ea"/>
               </a:rPr>
-              <a:t>관리</a:t>
+              <a:t>유료버전</a:t>
             </a:r>
             <a:r>
               <a:rPr lang="en-US" altLang="ko-KR" sz="1600" dirty="0">
@@ -5898,19 +5385,19 @@
               <a:rPr lang="ko-KR" altLang="en-US" sz="1600" dirty="0">
                 <a:latin typeface="+mn-ea"/>
               </a:rPr>
-              <a:t>탭에서</a:t>
+              <a:t>사용시</a:t>
             </a:r>
             <a:r>
               <a:rPr lang="en-US" altLang="ko-KR" sz="1600" dirty="0">
                 <a:latin typeface="+mn-ea"/>
               </a:rPr>
-              <a:t> </a:t>
+              <a:t>, </a:t>
             </a:r>
             <a:r>
               <a:rPr lang="ko-KR" altLang="en-US" sz="1600" dirty="0">
                 <a:latin typeface="+mn-ea"/>
               </a:rPr>
-              <a:t>간편로그인</a:t>
+              <a:t>스마트폰</a:t>
             </a:r>
             <a:r>
               <a:rPr lang="en-US" altLang="ko-KR" sz="1600" dirty="0">
@@ -5922,7 +5409,7 @@
               <a:rPr lang="ko-KR" altLang="en-US" sz="1600" dirty="0">
                 <a:latin typeface="+mn-ea"/>
               </a:rPr>
-              <a:t>설정을</a:t>
+              <a:t>지문인식</a:t>
             </a:r>
             <a:r>
               <a:rPr lang="en-US" altLang="ko-KR" sz="1600" dirty="0">
@@ -5934,7 +5421,7 @@
               <a:rPr lang="ko-KR" altLang="en-US" sz="1600" dirty="0">
                 <a:latin typeface="+mn-ea"/>
               </a:rPr>
-              <a:t>활성화</a:t>
+              <a:t>사용으로</a:t>
             </a:r>
             <a:r>
               <a:rPr lang="en-US" altLang="ko-KR" sz="1600" dirty="0">
@@ -5946,351 +5433,96 @@
               <a:rPr lang="ko-KR" altLang="en-US" sz="1600" dirty="0">
                 <a:latin typeface="+mn-ea"/>
               </a:rPr>
-              <a:t>해준다</a:t>
+              <a:t>보안강화</a:t>
             </a:r>
             <a:r>
               <a:rPr lang="en-US" altLang="ko-KR" sz="1600" dirty="0">
                 <a:latin typeface="+mn-ea"/>
               </a:rPr>
-              <a:t>.</a:t>
-            </a:r>
-            <a:endParaRPr lang="en-US" altLang="ko-KR" sz="1600" dirty="0">
+              <a:t> </a:t>
+            </a:r>
+            <a:r>
+              <a:rPr lang="ko-KR" altLang="en-US" sz="1600" dirty="0">
+                <a:latin typeface="+mn-ea"/>
+              </a:rPr>
+              <a:t>가능</a:t>
+            </a:r>
+          </a:p>
+          <a:p>
+            <a:endParaRPr lang="ko-KR" altLang="en-US" sz="1600" dirty="0">
               <a:latin typeface="+mn-ea"/>
             </a:endParaRPr>
           </a:p>
           <a:p>
-            <a:r>
-              <a:rPr lang="en-US" altLang="ko-KR" sz="1600" dirty="0">
-                <a:latin typeface="+mn-ea"/>
-              </a:rPr>
-              <a:t>( </a:t>
-            </a:r>
-            <a:r>
-              <a:rPr lang="ko-KR" altLang="en-US" sz="1600" dirty="0">
-                <a:latin typeface="+mn-ea"/>
-              </a:rPr>
-              <a:t>간편로그인</a:t>
-            </a:r>
-            <a:r>
-              <a:rPr lang="en-US" altLang="ko-KR" sz="1600" dirty="0">
-                <a:latin typeface="+mn-ea"/>
-              </a:rPr>
-              <a:t> </a:t>
-            </a:r>
-            <a:r>
-              <a:rPr lang="ko-KR" altLang="en-US" sz="1600" dirty="0">
-                <a:latin typeface="+mn-ea"/>
-              </a:rPr>
-              <a:t>설정의</a:t>
-            </a:r>
-            <a:r>
-              <a:rPr lang="en-US" altLang="ko-KR" sz="1600" dirty="0">
-                <a:latin typeface="+mn-ea"/>
-              </a:rPr>
-              <a:t> </a:t>
-            </a:r>
-            <a:r>
-              <a:rPr lang="ko-KR" altLang="en-US" sz="1600" dirty="0">
-                <a:latin typeface="+mn-ea"/>
-              </a:rPr>
-              <a:t>위치</a:t>
-            </a:r>
-            <a:r>
-              <a:rPr lang="en-US" altLang="ko-KR" sz="1600" dirty="0">
-                <a:latin typeface="+mn-ea"/>
-              </a:rPr>
-              <a:t> </a:t>
-            </a:r>
-            <a:r>
-              <a:rPr lang="ko-KR" altLang="en-US" sz="1600" dirty="0">
-                <a:latin typeface="+mn-ea"/>
-              </a:rPr>
-              <a:t>및</a:t>
-            </a:r>
-            <a:r>
-              <a:rPr lang="en-US" altLang="ko-KR" sz="1600" dirty="0">
-                <a:latin typeface="+mn-ea"/>
-              </a:rPr>
-              <a:t> </a:t>
-            </a:r>
-            <a:r>
-              <a:rPr lang="ko-KR" altLang="en-US" sz="1600" dirty="0">
-                <a:latin typeface="+mn-ea"/>
-              </a:rPr>
-              <a:t>기획은</a:t>
-            </a:r>
-            <a:r>
-              <a:rPr lang="en-US" altLang="ko-KR" sz="1600" dirty="0">
-                <a:latin typeface="+mn-ea"/>
-              </a:rPr>
-              <a:t> </a:t>
-            </a:r>
-            <a:r>
-              <a:rPr lang="ko-KR" altLang="en-US" sz="1600" dirty="0">
-                <a:latin typeface="+mn-ea"/>
-              </a:rPr>
-              <a:t>바뀔</a:t>
-            </a:r>
-            <a:r>
-              <a:rPr lang="en-US" altLang="ko-KR" sz="1600" dirty="0">
-                <a:latin typeface="+mn-ea"/>
-              </a:rPr>
-              <a:t> </a:t>
-            </a:r>
-            <a:r>
-              <a:rPr lang="ko-KR" altLang="en-US" sz="1600" dirty="0">
-                <a:latin typeface="+mn-ea"/>
-              </a:rPr>
-              <a:t>예정</a:t>
-            </a:r>
-            <a:r>
-              <a:rPr lang="en-US" altLang="ko-KR" sz="1600" dirty="0">
-                <a:latin typeface="+mn-ea"/>
-              </a:rPr>
-              <a:t>, </a:t>
-            </a:r>
-            <a:r>
-              <a:rPr lang="ko-KR" altLang="en-US" sz="1600" dirty="0">
-                <a:latin typeface="+mn-ea"/>
-              </a:rPr>
-              <a:t>임시로</a:t>
-            </a:r>
-            <a:r>
-              <a:rPr lang="en-US" altLang="ko-KR" sz="1600" dirty="0">
-                <a:latin typeface="+mn-ea"/>
-              </a:rPr>
-              <a:t> </a:t>
-            </a:r>
-            <a:r>
-              <a:rPr lang="ko-KR" altLang="en-US" sz="1600" dirty="0">
-                <a:latin typeface="+mn-ea"/>
-              </a:rPr>
-              <a:t>넣어놓음</a:t>
-            </a:r>
-            <a:r>
-              <a:rPr lang="en-US" altLang="ko-KR" sz="1600" dirty="0">
-                <a:latin typeface="+mn-ea"/>
-              </a:rPr>
-              <a:t> by </a:t>
-            </a:r>
-            <a:r>
-              <a:rPr lang="ko-KR" altLang="en-US" sz="1600" dirty="0">
-                <a:latin typeface="+mn-ea"/>
-              </a:rPr>
-              <a:t>우태건</a:t>
-            </a:r>
-            <a:r>
-              <a:rPr lang="en-US" altLang="ko-KR" sz="1600" dirty="0">
-                <a:latin typeface="+mn-ea"/>
-              </a:rPr>
-              <a:t> )</a:t>
-            </a:r>
-            <a:endParaRPr lang="en-US" altLang="ko-KR" sz="1600" dirty="0">
+            <a:endParaRPr lang="ko-KR" altLang="en-US" sz="1600" dirty="0">
               <a:latin typeface="+mn-ea"/>
             </a:endParaRPr>
           </a:p>
           <a:p>
-            <a:r>
-              <a:rPr lang="en-US" altLang="ko-KR" sz="1600" dirty="0">
-                <a:latin typeface="+mn-ea"/>
-              </a:rPr>
-              <a:t>- Client </a:t>
-            </a:r>
-            <a:r>
-              <a:rPr lang="ko-KR" altLang="en-US" sz="1600" dirty="0">
-                <a:latin typeface="+mn-ea"/>
-              </a:rPr>
-              <a:t>웹에서</a:t>
-            </a:r>
-            <a:r>
-              <a:rPr lang="en-US" altLang="ko-KR" sz="1600" dirty="0">
-                <a:latin typeface="+mn-ea"/>
-              </a:rPr>
-              <a:t> </a:t>
-            </a:r>
-            <a:r>
-              <a:rPr lang="ko-KR" altLang="en-US" sz="1600" dirty="0">
-                <a:latin typeface="+mn-ea"/>
-              </a:rPr>
-              <a:t>새로고침</a:t>
-            </a:r>
-            <a:r>
-              <a:rPr lang="en-US" altLang="ko-KR" sz="1600" dirty="0">
-                <a:latin typeface="+mn-ea"/>
-              </a:rPr>
-              <a:t> </a:t>
-            </a:r>
-            <a:r>
-              <a:rPr lang="ko-KR" altLang="en-US" sz="1600" dirty="0">
-                <a:latin typeface="+mn-ea"/>
-              </a:rPr>
-              <a:t>시</a:t>
-            </a:r>
-            <a:r>
-              <a:rPr lang="en-US" altLang="ko-KR" sz="1600" dirty="0">
-                <a:latin typeface="+mn-ea"/>
-              </a:rPr>
-              <a:t> </a:t>
-            </a:r>
-            <a:r>
-              <a:rPr lang="ko-KR" altLang="en-US" sz="1600" dirty="0">
-                <a:latin typeface="+mn-ea"/>
-              </a:rPr>
-              <a:t>보안</a:t>
-            </a:r>
-            <a:r>
-              <a:rPr lang="en-US" altLang="ko-KR" sz="1600" dirty="0">
-                <a:latin typeface="+mn-ea"/>
-              </a:rPr>
-              <a:t> </a:t>
-            </a:r>
-            <a:r>
-              <a:rPr lang="ko-KR" altLang="en-US" sz="1600" dirty="0">
-                <a:latin typeface="+mn-ea"/>
-              </a:rPr>
-              <a:t>키</a:t>
-            </a:r>
-            <a:r>
-              <a:rPr lang="en-US" altLang="ko-KR" sz="1600" dirty="0">
-                <a:latin typeface="+mn-ea"/>
-              </a:rPr>
-              <a:t> </a:t>
-            </a:r>
-            <a:r>
-              <a:rPr lang="ko-KR" altLang="en-US" sz="1600" dirty="0">
-                <a:latin typeface="+mn-ea"/>
-              </a:rPr>
-              <a:t>등록</a:t>
-            </a:r>
-            <a:r>
-              <a:rPr lang="en-US" altLang="ko-KR" sz="1600" dirty="0">
-                <a:latin typeface="+mn-ea"/>
-              </a:rPr>
-              <a:t> </a:t>
-            </a:r>
-            <a:r>
-              <a:rPr lang="ko-KR" altLang="en-US" sz="1600" dirty="0">
-                <a:latin typeface="+mn-ea"/>
-              </a:rPr>
-              <a:t>화면이</a:t>
-            </a:r>
-            <a:r>
-              <a:rPr lang="en-US" altLang="ko-KR" sz="1600" dirty="0">
-                <a:latin typeface="+mn-ea"/>
-              </a:rPr>
-              <a:t> </a:t>
-            </a:r>
-            <a:r>
-              <a:rPr lang="ko-KR" altLang="en-US" sz="1600" dirty="0">
-                <a:latin typeface="+mn-ea"/>
-              </a:rPr>
-              <a:t>나타나고</a:t>
-            </a:r>
-            <a:r>
-              <a:rPr lang="en-US" altLang="ko-KR" sz="1600" dirty="0">
-                <a:latin typeface="+mn-ea"/>
-              </a:rPr>
-              <a:t>, PC </a:t>
-            </a:r>
-            <a:r>
-              <a:rPr lang="ko-KR" altLang="en-US" sz="1600" dirty="0">
-                <a:latin typeface="+mn-ea"/>
-              </a:rPr>
-              <a:t>와</a:t>
-            </a:r>
-            <a:r>
-              <a:rPr lang="en-US" altLang="ko-KR" sz="1600" dirty="0">
-                <a:latin typeface="+mn-ea"/>
-              </a:rPr>
-              <a:t> </a:t>
-            </a:r>
-            <a:r>
-              <a:rPr lang="ko-KR" altLang="en-US" sz="1600" dirty="0">
-                <a:latin typeface="+mn-ea"/>
-              </a:rPr>
-              <a:t>연동해</a:t>
-            </a:r>
-            <a:r>
-              <a:rPr lang="en-US" altLang="ko-KR" sz="1600" dirty="0">
-                <a:latin typeface="+mn-ea"/>
-              </a:rPr>
-              <a:t> </a:t>
-            </a:r>
-            <a:r>
-              <a:rPr lang="ko-KR" altLang="en-US" sz="1600" dirty="0">
-                <a:latin typeface="+mn-ea"/>
-              </a:rPr>
-              <a:t>놓은</a:t>
-            </a:r>
-            <a:r>
-              <a:rPr lang="en-US" altLang="ko-KR" sz="1600" dirty="0">
-                <a:latin typeface="+mn-ea"/>
-              </a:rPr>
-              <a:t> FIdo </a:t>
-            </a:r>
-            <a:r>
-              <a:rPr lang="ko-KR" altLang="en-US" sz="1600" dirty="0">
-                <a:latin typeface="+mn-ea"/>
-              </a:rPr>
-              <a:t>기반의</a:t>
-            </a:r>
-            <a:r>
-              <a:rPr lang="en-US" altLang="ko-KR" sz="1600" dirty="0">
-                <a:latin typeface="+mn-ea"/>
-              </a:rPr>
-              <a:t> </a:t>
-            </a:r>
-            <a:r>
-              <a:rPr lang="ko-KR" altLang="en-US" sz="1600" dirty="0">
-                <a:latin typeface="+mn-ea"/>
-              </a:rPr>
-              <a:t>인증수단을</a:t>
-            </a:r>
-            <a:r>
-              <a:rPr lang="en-US" altLang="ko-KR" sz="1600" dirty="0">
-                <a:latin typeface="+mn-ea"/>
-              </a:rPr>
-              <a:t> </a:t>
-            </a:r>
-            <a:r>
-              <a:rPr lang="ko-KR" altLang="en-US" sz="1600" dirty="0">
-                <a:latin typeface="+mn-ea"/>
-              </a:rPr>
-              <a:t>등록할</a:t>
-            </a:r>
-            <a:r>
-              <a:rPr lang="en-US" altLang="ko-KR" sz="1600" dirty="0">
-                <a:latin typeface="+mn-ea"/>
-              </a:rPr>
-              <a:t> </a:t>
-            </a:r>
-            <a:r>
-              <a:rPr lang="ko-KR" altLang="en-US" sz="1600" dirty="0">
-                <a:latin typeface="+mn-ea"/>
-              </a:rPr>
-              <a:t>수</a:t>
-            </a:r>
-            <a:r>
-              <a:rPr lang="en-US" altLang="ko-KR" sz="1600" dirty="0">
-                <a:latin typeface="+mn-ea"/>
-              </a:rPr>
-              <a:t> </a:t>
-            </a:r>
-            <a:r>
-              <a:rPr lang="ko-KR" altLang="en-US" sz="1600" dirty="0">
-                <a:latin typeface="+mn-ea"/>
-              </a:rPr>
-              <a:t>있다</a:t>
-            </a:r>
-            <a:r>
-              <a:rPr lang="en-US" altLang="ko-KR" sz="1600" dirty="0">
-                <a:latin typeface="+mn-ea"/>
-              </a:rPr>
-              <a:t>. </a:t>
-            </a:r>
-            <a:endParaRPr lang="en-US" altLang="ko-KR" sz="1600" dirty="0">
+            <a:endParaRPr lang="ko-KR" altLang="en-US" sz="1600" dirty="0">
               <a:latin typeface="+mn-ea"/>
             </a:endParaRPr>
+          </a:p>
+          <a:p>
+            <a:endParaRPr lang="ko-KR" altLang="en-US" sz="1600" dirty="0">
+              <a:latin typeface="+mn-ea"/>
+            </a:endParaRPr>
+          </a:p>
+          <a:p>
+            <a:endParaRPr lang="ko-KR" altLang="en-US" sz="1600" dirty="0">
+              <a:latin typeface="+mn-ea"/>
+            </a:endParaRPr>
+          </a:p>
+          <a:p>
+            <a:endParaRPr lang="ko-KR" altLang="en-US" sz="1600" dirty="0">
+              <a:latin typeface="+mn-ea"/>
+            </a:endParaRPr>
+          </a:p>
+          <a:p>
+            <a:endParaRPr lang="ko-KR" altLang="en-US" sz="1600" dirty="0">
+              <a:latin typeface="+mn-ea"/>
+            </a:endParaRPr>
+          </a:p>
+          <a:p>
+            <a:endParaRPr lang="ko-KR" altLang="en-US" sz="1600" dirty="0">
+              <a:latin typeface="+mn-ea"/>
+            </a:endParaRPr>
+          </a:p>
+          <a:p>
+            <a:endParaRPr lang="ko-KR" altLang="en-US" sz="1600" dirty="0">
+              <a:latin typeface="+mn-ea"/>
+            </a:endParaRPr>
+          </a:p>
+          <a:p>
+            <a:endParaRPr lang="ko-KR" altLang="en-US" sz="1600" dirty="0">
+              <a:latin typeface="+mn-ea"/>
+            </a:endParaRPr>
+          </a:p>
+          <a:p>
+            <a:endParaRPr lang="ko-KR" altLang="en-US" sz="1600" dirty="0">
+              <a:latin typeface="+mn-ea"/>
+            </a:endParaRPr>
+          </a:p>
+          <a:p>
+            <a:endParaRPr lang="ko-KR" altLang="en-US" sz="1600" dirty="0">
+              <a:latin typeface="+mn-ea"/>
+            </a:endParaRPr>
+          </a:p>
+          <a:p>
+            <a:r>
+              <a:rPr lang="en-US" altLang="ko-KR" sz="1600" dirty="0">
+                <a:latin typeface="+mn-ea"/>
+              </a:rPr>
+              <a:t>  </a:t>
+            </a:r>
+          </a:p>
+          <a:p>
+            <a:r>
+              <a:rPr lang="en-US" altLang="ko-KR" sz="1600" dirty="0">
+                <a:latin typeface="+mn-ea"/>
+              </a:rPr>
+              <a:t>    </a:t>
+            </a:r>
           </a:p>
         </p:txBody>
       </p:sp>
@@ -6313,6 +5545,7 @@
           <a:bodyPr wrap="square">
             <a:noAutofit/>
           </a:bodyPr>
+          <a:lstStyle/>
           <a:p>
             <a:endParaRPr lang="en-US" altLang="ko-KR" sz="1200" b="1" dirty="0">
               <a:solidFill>
@@ -6327,53 +5560,286 @@
         <p:nvPicPr>
           <p:cNvPr id="7" name="Content Placeholder 6"/>
           <p:cNvPicPr>
-            <a:picLocks noChangeAspect="1"/>
+            <a:picLocks noGrp="1" noChangeAspect="1"/>
           </p:cNvPicPr>
           <p:nvPr>
             <p:ph idx="1"/>
           </p:nvPr>
         </p:nvPicPr>
         <p:blipFill>
-          <a:blip r:embed="rId1"/>
+          <a:blip r:embed="rId2"/>
           <a:stretch>
             <a:fillRect/>
           </a:stretch>
         </p:blipFill>
         <p:spPr>
           <a:xfrm>
-            <a:off x="113030" y="2092325"/>
-            <a:ext cx="5058410" cy="4088130"/>
+            <a:off x="6374130" y="906145"/>
+            <a:ext cx="2639695" cy="4941570"/>
           </a:xfrm>
           <a:prstGeom prst="rect">
             <a:avLst/>
           </a:prstGeom>
         </p:spPr>
       </p:pic>
-      <p:pic>
-        <p:nvPicPr>
-          <p:cNvPr id="8" name="Picture 7"/>
-          <p:cNvPicPr>
-            <a:picLocks noChangeAspect="1"/>
-          </p:cNvPicPr>
+      <p:sp>
+        <p:nvSpPr>
+          <p:cNvPr id="8" name="직사각형 4"/>
+          <p:cNvSpPr/>
           <p:nvPr/>
-        </p:nvPicPr>
-        <p:blipFill>
-          <a:blip r:embed="rId2"/>
-          <a:srcRect l="10598" t="5679" r="11015" b="5129"/>
-          <a:stretch>
-            <a:fillRect/>
-          </a:stretch>
-        </p:blipFill>
+        </p:nvSpPr>
         <p:spPr>
           <a:xfrm>
-            <a:off x="5255260" y="2026920"/>
-            <a:ext cx="3696335" cy="4218305"/>
+            <a:off x="268605" y="5289550"/>
+            <a:ext cx="5264150" cy="1470025"/>
           </a:xfrm>
           <a:prstGeom prst="rect">
             <a:avLst/>
           </a:prstGeom>
         </p:spPr>
-      </p:pic>
+        <p:txBody>
+          <a:bodyPr wrap="square">
+            <a:noAutofit/>
+          </a:bodyPr>
+          <a:lstStyle/>
+          <a:p>
+            <a:r>
+              <a:rPr lang="ko-KR" altLang="en-US" sz="1600" b="1" u="sng" dirty="0">
+                <a:solidFill>
+                  <a:srgbClr val="FF0000"/>
+                </a:solidFill>
+                <a:latin typeface="+mn-ea"/>
+              </a:rPr>
+              <a:t>이외에도</a:t>
+            </a:r>
+            <a:r>
+              <a:rPr lang="en-US" altLang="ko-KR" sz="1600" b="1" u="sng" dirty="0">
+                <a:solidFill>
+                  <a:srgbClr val="FF0000"/>
+                </a:solidFill>
+                <a:latin typeface="+mn-ea"/>
+              </a:rPr>
+              <a:t>, </a:t>
+            </a:r>
+            <a:r>
+              <a:rPr lang="ko-KR" altLang="en-US" sz="1600" b="1" u="sng" dirty="0">
+                <a:solidFill>
+                  <a:srgbClr val="FF0000"/>
+                </a:solidFill>
+                <a:latin typeface="+mn-ea"/>
+              </a:rPr>
+              <a:t>추가로</a:t>
+            </a:r>
+            <a:r>
+              <a:rPr lang="en-US" altLang="ko-KR" sz="1600" b="1" u="sng" dirty="0">
+                <a:solidFill>
+                  <a:srgbClr val="FF0000"/>
+                </a:solidFill>
+                <a:latin typeface="+mn-ea"/>
+              </a:rPr>
+              <a:t> Fido protocol</a:t>
+            </a:r>
+            <a:r>
+              <a:rPr lang="ko-KR" altLang="en-US" sz="1600" b="1" u="sng" dirty="0">
+                <a:solidFill>
+                  <a:srgbClr val="FF0000"/>
+                </a:solidFill>
+                <a:latin typeface="+mn-ea"/>
+              </a:rPr>
+              <a:t>을</a:t>
+            </a:r>
+            <a:r>
+              <a:rPr lang="en-US" altLang="ko-KR" sz="1600" b="1" u="sng" dirty="0">
+                <a:solidFill>
+                  <a:srgbClr val="FF0000"/>
+                </a:solidFill>
+                <a:latin typeface="+mn-ea"/>
+              </a:rPr>
+              <a:t> </a:t>
+            </a:r>
+            <a:r>
+              <a:rPr lang="ko-KR" altLang="en-US" sz="1600" b="1" u="sng" dirty="0">
+                <a:solidFill>
+                  <a:srgbClr val="FF0000"/>
+                </a:solidFill>
+                <a:latin typeface="+mn-ea"/>
+              </a:rPr>
+              <a:t>만족하는</a:t>
+            </a:r>
+            <a:r>
+              <a:rPr lang="en-US" altLang="ko-KR" sz="1600" b="1" u="sng" dirty="0">
+                <a:solidFill>
+                  <a:srgbClr val="FF0000"/>
+                </a:solidFill>
+                <a:latin typeface="+mn-ea"/>
+              </a:rPr>
+              <a:t> </a:t>
+            </a:r>
+            <a:r>
+              <a:rPr lang="ko-KR" altLang="en-US" sz="1600" b="1" u="sng" dirty="0">
+                <a:solidFill>
+                  <a:srgbClr val="FF0000"/>
+                </a:solidFill>
+                <a:latin typeface="+mn-ea"/>
+              </a:rPr>
+              <a:t>보안</a:t>
+            </a:r>
+            <a:r>
+              <a:rPr lang="en-US" altLang="ko-KR" sz="1600" b="1" u="sng" dirty="0">
+                <a:solidFill>
+                  <a:srgbClr val="FF0000"/>
+                </a:solidFill>
+                <a:latin typeface="+mn-ea"/>
+              </a:rPr>
+              <a:t> </a:t>
+            </a:r>
+            <a:r>
+              <a:rPr lang="ko-KR" altLang="en-US" sz="1600" b="1" u="sng" dirty="0">
+                <a:solidFill>
+                  <a:srgbClr val="FF0000"/>
+                </a:solidFill>
+                <a:latin typeface="+mn-ea"/>
+              </a:rPr>
+              <a:t>수단을</a:t>
+            </a:r>
+            <a:r>
+              <a:rPr lang="en-US" altLang="ko-KR" sz="1600" b="1" u="sng" dirty="0">
+                <a:solidFill>
+                  <a:srgbClr val="FF0000"/>
+                </a:solidFill>
+                <a:latin typeface="+mn-ea"/>
+              </a:rPr>
+              <a:t> </a:t>
+            </a:r>
+            <a:r>
+              <a:rPr lang="ko-KR" altLang="en-US" sz="1600" b="1" u="sng" dirty="0">
+                <a:solidFill>
+                  <a:srgbClr val="FF0000"/>
+                </a:solidFill>
+                <a:latin typeface="+mn-ea"/>
+              </a:rPr>
+              <a:t>추가하면</a:t>
+            </a:r>
+            <a:r>
+              <a:rPr lang="en-US" altLang="ko-KR" sz="1600" b="1" u="sng" dirty="0">
+                <a:solidFill>
+                  <a:srgbClr val="FF0000"/>
+                </a:solidFill>
+                <a:latin typeface="+mn-ea"/>
+              </a:rPr>
+              <a:t> </a:t>
+            </a:r>
+            <a:r>
+              <a:rPr lang="ko-KR" altLang="en-US" sz="1600" b="1" u="sng" dirty="0">
+                <a:solidFill>
+                  <a:srgbClr val="FF0000"/>
+                </a:solidFill>
+                <a:latin typeface="+mn-ea"/>
+              </a:rPr>
+              <a:t>자유롭게</a:t>
+            </a:r>
+            <a:r>
+              <a:rPr lang="en-US" altLang="ko-KR" sz="1600" b="1" u="sng" dirty="0">
+                <a:solidFill>
+                  <a:srgbClr val="FF0000"/>
+                </a:solidFill>
+                <a:latin typeface="+mn-ea"/>
+              </a:rPr>
+              <a:t> </a:t>
+            </a:r>
+            <a:r>
+              <a:rPr lang="ko-KR" altLang="en-US" sz="1600" b="1" u="sng" dirty="0">
+                <a:solidFill>
+                  <a:srgbClr val="FF0000"/>
+                </a:solidFill>
+                <a:latin typeface="+mn-ea"/>
+              </a:rPr>
+              <a:t>인증수단을</a:t>
+            </a:r>
+            <a:r>
+              <a:rPr lang="en-US" altLang="ko-KR" sz="1600" b="1" u="sng" dirty="0">
+                <a:solidFill>
+                  <a:srgbClr val="FF0000"/>
+                </a:solidFill>
+                <a:latin typeface="+mn-ea"/>
+              </a:rPr>
+              <a:t> </a:t>
+            </a:r>
+            <a:r>
+              <a:rPr lang="ko-KR" altLang="en-US" sz="1600" b="1" u="sng" dirty="0">
+                <a:solidFill>
+                  <a:srgbClr val="FF0000"/>
+                </a:solidFill>
+                <a:latin typeface="+mn-ea"/>
+              </a:rPr>
+              <a:t>추가</a:t>
+            </a:r>
+            <a:r>
+              <a:rPr lang="en-US" altLang="ko-KR" sz="1600" b="1" u="sng" dirty="0">
+                <a:solidFill>
+                  <a:srgbClr val="FF0000"/>
+                </a:solidFill>
+                <a:latin typeface="+mn-ea"/>
+              </a:rPr>
+              <a:t> </a:t>
+            </a:r>
+            <a:r>
+              <a:rPr lang="ko-KR" altLang="en-US" sz="1600" b="1" u="sng" dirty="0">
+                <a:solidFill>
+                  <a:srgbClr val="FF0000"/>
+                </a:solidFill>
+                <a:latin typeface="+mn-ea"/>
+              </a:rPr>
+              <a:t>할</a:t>
+            </a:r>
+            <a:r>
+              <a:rPr lang="en-US" altLang="ko-KR" sz="1600" b="1" u="sng" dirty="0">
+                <a:solidFill>
+                  <a:srgbClr val="FF0000"/>
+                </a:solidFill>
+                <a:latin typeface="+mn-ea"/>
+              </a:rPr>
+              <a:t> </a:t>
+            </a:r>
+            <a:r>
+              <a:rPr lang="ko-KR" altLang="en-US" sz="1600" b="1" u="sng" dirty="0">
+                <a:solidFill>
+                  <a:srgbClr val="FF0000"/>
+                </a:solidFill>
+                <a:latin typeface="+mn-ea"/>
+              </a:rPr>
+              <a:t>수</a:t>
+            </a:r>
+            <a:r>
+              <a:rPr lang="en-US" altLang="ko-KR" sz="1600" b="1" u="sng" dirty="0">
+                <a:solidFill>
+                  <a:srgbClr val="FF0000"/>
+                </a:solidFill>
+                <a:latin typeface="+mn-ea"/>
+              </a:rPr>
+              <a:t> </a:t>
+            </a:r>
+            <a:r>
+              <a:rPr lang="ko-KR" altLang="en-US" sz="1600" b="1" u="sng" dirty="0">
+                <a:solidFill>
+                  <a:srgbClr val="FF0000"/>
+                </a:solidFill>
+                <a:latin typeface="+mn-ea"/>
+              </a:rPr>
+              <a:t>있다</a:t>
+            </a:r>
+            <a:r>
+              <a:rPr lang="en-US" altLang="ko-KR" sz="1600" b="1" u="sng" dirty="0">
+                <a:solidFill>
+                  <a:srgbClr val="FF0000"/>
+                </a:solidFill>
+                <a:latin typeface="+mn-ea"/>
+              </a:rPr>
+              <a:t>.</a:t>
+            </a:r>
+          </a:p>
+        </p:txBody>
+      </p:sp>
     </p:spTree>
   </p:cSld>
   <p:clrMapOvr>
@@ -6436,45 +5902,8 @@
             </a:r>
             <a:r>
               <a:rPr lang="ko-KR" altLang="en-US" b="1" dirty="0"/>
-              <a:t>로그인</a:t>
-            </a:r>
-            <a:r>
-              <a:rPr lang="en-US" altLang="ko-KR" b="1" dirty="0"/>
-              <a:t> Flow (</a:t>
-            </a:r>
-            <a:r>
-              <a:rPr lang="ko-KR" altLang="en-US" b="1" dirty="0"/>
-              <a:t>기획에</a:t>
-            </a:r>
-            <a:r>
-              <a:rPr lang="en-US" altLang="ko-KR" b="1" dirty="0"/>
-              <a:t> </a:t>
-            </a:r>
-            <a:r>
-              <a:rPr lang="ko-KR" altLang="en-US" b="1" dirty="0"/>
-              <a:t>따라</a:t>
-            </a:r>
-            <a:r>
-              <a:rPr lang="en-US" altLang="ko-KR" b="1" dirty="0"/>
-              <a:t> </a:t>
-            </a:r>
-            <a:r>
-              <a:rPr lang="ko-KR" altLang="en-US" b="1" dirty="0"/>
-              <a:t>변화</a:t>
-            </a:r>
-            <a:r>
-              <a:rPr lang="en-US" altLang="ko-KR" b="1" dirty="0"/>
-              <a:t> </a:t>
-            </a:r>
-            <a:r>
-              <a:rPr lang="ko-KR" altLang="en-US" b="1" dirty="0"/>
-              <a:t>예정</a:t>
-            </a:r>
-            <a:r>
-              <a:rPr lang="en-US" altLang="ko-KR" b="1" dirty="0"/>
-              <a:t>)</a:t>
-            </a:r>
-            <a:endParaRPr lang="en-US" altLang="ko-KR" b="1" dirty="0"/>
+              <a:t>활성화</a:t>
+            </a:r>
           </a:p>
         </p:txBody>
       </p:sp>
@@ -6495,6 +5924,7 @@
           <a:p>
             <a:fld id="{46AE23CF-7DA0-4EBA-8411-E6590A2914FC}" type="slidenum">
               <a:rPr lang="ko-KR" altLang="en-US" smtClean="0"/>
+              <a:t>7</a:t>
             </a:fld>
             <a:r>
               <a:rPr lang="ko-KR" altLang="en-US" dirty="0"/>
@@ -6505,6 +5935,466 @@
               <a:t>/ 24</a:t>
             </a:r>
             <a:endParaRPr lang="ko-KR" altLang="en-US" dirty="0"/>
+          </a:p>
+        </p:txBody>
+      </p:sp>
+      <p:sp>
+        <p:nvSpPr>
+          <p:cNvPr id="29" name="직사각형 4"/>
+          <p:cNvSpPr/>
+          <p:nvPr/>
+        </p:nvSpPr>
+        <p:spPr>
+          <a:xfrm>
+            <a:off x="268605" y="906145"/>
+            <a:ext cx="8606155" cy="5487035"/>
+          </a:xfrm>
+          <a:prstGeom prst="rect">
+            <a:avLst/>
+          </a:prstGeom>
+        </p:spPr>
+        <p:txBody>
+          <a:bodyPr wrap="square">
+            <a:noAutofit/>
+          </a:bodyPr>
+          <a:lstStyle/>
+          <a:p>
+            <a:r>
+              <a:rPr lang="en-US" altLang="ko-KR" sz="1600" dirty="0">
+                <a:latin typeface="+mn-ea"/>
+              </a:rPr>
+              <a:t>- </a:t>
+            </a:r>
+            <a:r>
+              <a:rPr lang="en-US" sz="1600" dirty="0">
+                <a:latin typeface="+mn-ea"/>
+              </a:rPr>
+              <a:t>Account Console - 2</a:t>
+            </a:r>
+            <a:r>
+              <a:rPr lang="ko-KR" altLang="en-US" sz="1600" dirty="0">
+                <a:latin typeface="+mn-ea"/>
+              </a:rPr>
+              <a:t>차</a:t>
+            </a:r>
+            <a:r>
+              <a:rPr lang="en-US" altLang="ko-KR" sz="1600" dirty="0">
+                <a:latin typeface="+mn-ea"/>
+              </a:rPr>
+              <a:t> </a:t>
+            </a:r>
+            <a:r>
+              <a:rPr lang="ko-KR" altLang="en-US" sz="1600" dirty="0">
+                <a:latin typeface="+mn-ea"/>
+              </a:rPr>
+              <a:t>인증</a:t>
+            </a:r>
+            <a:r>
+              <a:rPr lang="en-US" altLang="ko-KR" sz="1600" dirty="0">
+                <a:latin typeface="+mn-ea"/>
+              </a:rPr>
+              <a:t> </a:t>
+            </a:r>
+            <a:r>
+              <a:rPr lang="ko-KR" altLang="en-US" sz="1600" dirty="0">
+                <a:latin typeface="+mn-ea"/>
+              </a:rPr>
+              <a:t>관리</a:t>
+            </a:r>
+            <a:r>
+              <a:rPr lang="en-US" altLang="ko-KR" sz="1600" dirty="0">
+                <a:latin typeface="+mn-ea"/>
+              </a:rPr>
+              <a:t> </a:t>
+            </a:r>
+            <a:r>
+              <a:rPr lang="ko-KR" altLang="en-US" sz="1600" dirty="0">
+                <a:latin typeface="+mn-ea"/>
+              </a:rPr>
+              <a:t>탭에서</a:t>
+            </a:r>
+            <a:r>
+              <a:rPr lang="en-US" altLang="ko-KR" sz="1600" dirty="0">
+                <a:latin typeface="+mn-ea"/>
+              </a:rPr>
+              <a:t> </a:t>
+            </a:r>
+            <a:r>
+              <a:rPr lang="ko-KR" altLang="en-US" sz="1600" dirty="0">
+                <a:latin typeface="+mn-ea"/>
+              </a:rPr>
+              <a:t>간편로그인</a:t>
+            </a:r>
+            <a:r>
+              <a:rPr lang="en-US" altLang="ko-KR" sz="1600" dirty="0">
+                <a:latin typeface="+mn-ea"/>
+              </a:rPr>
+              <a:t> </a:t>
+            </a:r>
+            <a:r>
+              <a:rPr lang="ko-KR" altLang="en-US" sz="1600" dirty="0">
+                <a:latin typeface="+mn-ea"/>
+              </a:rPr>
+              <a:t>설정을</a:t>
+            </a:r>
+            <a:r>
+              <a:rPr lang="en-US" altLang="ko-KR" sz="1600" dirty="0">
+                <a:latin typeface="+mn-ea"/>
+              </a:rPr>
+              <a:t> </a:t>
+            </a:r>
+            <a:r>
+              <a:rPr lang="ko-KR" altLang="en-US" sz="1600" dirty="0">
+                <a:latin typeface="+mn-ea"/>
+              </a:rPr>
+              <a:t>활성화</a:t>
+            </a:r>
+            <a:r>
+              <a:rPr lang="en-US" altLang="ko-KR" sz="1600" dirty="0">
+                <a:latin typeface="+mn-ea"/>
+              </a:rPr>
+              <a:t> </a:t>
+            </a:r>
+            <a:r>
+              <a:rPr lang="ko-KR" altLang="en-US" sz="1600" dirty="0">
+                <a:latin typeface="+mn-ea"/>
+              </a:rPr>
+              <a:t>해준다</a:t>
+            </a:r>
+            <a:r>
+              <a:rPr lang="en-US" altLang="ko-KR" sz="1600" dirty="0">
+                <a:latin typeface="+mn-ea"/>
+              </a:rPr>
+              <a:t>.</a:t>
+            </a:r>
+          </a:p>
+          <a:p>
+            <a:r>
+              <a:rPr lang="en-US" altLang="ko-KR" sz="1600" dirty="0">
+                <a:latin typeface="+mn-ea"/>
+              </a:rPr>
+              <a:t>( </a:t>
+            </a:r>
+            <a:r>
+              <a:rPr lang="ko-KR" altLang="en-US" sz="1600" dirty="0">
+                <a:latin typeface="+mn-ea"/>
+              </a:rPr>
+              <a:t>간편로그인</a:t>
+            </a:r>
+            <a:r>
+              <a:rPr lang="en-US" altLang="ko-KR" sz="1600" dirty="0">
+                <a:latin typeface="+mn-ea"/>
+              </a:rPr>
+              <a:t> </a:t>
+            </a:r>
+            <a:r>
+              <a:rPr lang="ko-KR" altLang="en-US" sz="1600" dirty="0">
+                <a:latin typeface="+mn-ea"/>
+              </a:rPr>
+              <a:t>설정의</a:t>
+            </a:r>
+            <a:r>
+              <a:rPr lang="en-US" altLang="ko-KR" sz="1600" dirty="0">
+                <a:latin typeface="+mn-ea"/>
+              </a:rPr>
+              <a:t> </a:t>
+            </a:r>
+            <a:r>
+              <a:rPr lang="ko-KR" altLang="en-US" sz="1600" dirty="0">
+                <a:latin typeface="+mn-ea"/>
+              </a:rPr>
+              <a:t>위치</a:t>
+            </a:r>
+            <a:r>
+              <a:rPr lang="en-US" altLang="ko-KR" sz="1600" dirty="0">
+                <a:latin typeface="+mn-ea"/>
+              </a:rPr>
+              <a:t> </a:t>
+            </a:r>
+            <a:r>
+              <a:rPr lang="ko-KR" altLang="en-US" sz="1600" dirty="0">
+                <a:latin typeface="+mn-ea"/>
+              </a:rPr>
+              <a:t>및</a:t>
+            </a:r>
+            <a:r>
+              <a:rPr lang="en-US" altLang="ko-KR" sz="1600" dirty="0">
+                <a:latin typeface="+mn-ea"/>
+              </a:rPr>
+              <a:t> </a:t>
+            </a:r>
+            <a:r>
+              <a:rPr lang="ko-KR" altLang="en-US" sz="1600" dirty="0">
+                <a:latin typeface="+mn-ea"/>
+              </a:rPr>
+              <a:t>기획은</a:t>
+            </a:r>
+            <a:r>
+              <a:rPr lang="en-US" altLang="ko-KR" sz="1600" dirty="0">
+                <a:latin typeface="+mn-ea"/>
+              </a:rPr>
+              <a:t> </a:t>
+            </a:r>
+            <a:r>
+              <a:rPr lang="ko-KR" altLang="en-US" sz="1600" dirty="0">
+                <a:latin typeface="+mn-ea"/>
+              </a:rPr>
+              <a:t>바뀔</a:t>
+            </a:r>
+            <a:r>
+              <a:rPr lang="en-US" altLang="ko-KR" sz="1600" dirty="0">
+                <a:latin typeface="+mn-ea"/>
+              </a:rPr>
+              <a:t> </a:t>
+            </a:r>
+            <a:r>
+              <a:rPr lang="ko-KR" altLang="en-US" sz="1600" dirty="0">
+                <a:latin typeface="+mn-ea"/>
+              </a:rPr>
+              <a:t>예정</a:t>
+            </a:r>
+            <a:r>
+              <a:rPr lang="en-US" altLang="ko-KR" sz="1600" dirty="0">
+                <a:latin typeface="+mn-ea"/>
+              </a:rPr>
+              <a:t>, </a:t>
+            </a:r>
+            <a:r>
+              <a:rPr lang="ko-KR" altLang="en-US" sz="1600" dirty="0">
+                <a:latin typeface="+mn-ea"/>
+              </a:rPr>
+              <a:t>임시로</a:t>
+            </a:r>
+            <a:r>
+              <a:rPr lang="en-US" altLang="ko-KR" sz="1600" dirty="0">
+                <a:latin typeface="+mn-ea"/>
+              </a:rPr>
+              <a:t> </a:t>
+            </a:r>
+            <a:r>
+              <a:rPr lang="ko-KR" altLang="en-US" sz="1600" dirty="0">
+                <a:latin typeface="+mn-ea"/>
+              </a:rPr>
+              <a:t>넣어놓음</a:t>
+            </a:r>
+            <a:r>
+              <a:rPr lang="en-US" altLang="ko-KR" sz="1600" dirty="0">
+                <a:latin typeface="+mn-ea"/>
+              </a:rPr>
+              <a:t> by </a:t>
+            </a:r>
+            <a:r>
+              <a:rPr lang="ko-KR" altLang="en-US" sz="1600" dirty="0">
+                <a:latin typeface="+mn-ea"/>
+              </a:rPr>
+              <a:t>우태건</a:t>
+            </a:r>
+            <a:r>
+              <a:rPr lang="en-US" altLang="ko-KR" sz="1600" dirty="0">
+                <a:latin typeface="+mn-ea"/>
+              </a:rPr>
+              <a:t> )</a:t>
+            </a:r>
+          </a:p>
+          <a:p>
+            <a:r>
+              <a:rPr lang="en-US" altLang="ko-KR" sz="1600" dirty="0">
+                <a:latin typeface="+mn-ea"/>
+              </a:rPr>
+              <a:t>- Client </a:t>
+            </a:r>
+            <a:r>
+              <a:rPr lang="ko-KR" altLang="en-US" sz="1600" dirty="0">
+                <a:latin typeface="+mn-ea"/>
+              </a:rPr>
+              <a:t>웹에서</a:t>
+            </a:r>
+            <a:r>
+              <a:rPr lang="en-US" altLang="ko-KR" sz="1600" dirty="0">
+                <a:latin typeface="+mn-ea"/>
+              </a:rPr>
+              <a:t> </a:t>
+            </a:r>
+            <a:r>
+              <a:rPr lang="ko-KR" altLang="en-US" sz="1600" dirty="0">
+                <a:latin typeface="+mn-ea"/>
+              </a:rPr>
+              <a:t>새로고침</a:t>
+            </a:r>
+            <a:r>
+              <a:rPr lang="en-US" altLang="ko-KR" sz="1600" dirty="0">
+                <a:latin typeface="+mn-ea"/>
+              </a:rPr>
+              <a:t> </a:t>
+            </a:r>
+            <a:r>
+              <a:rPr lang="ko-KR" altLang="en-US" sz="1600" dirty="0">
+                <a:latin typeface="+mn-ea"/>
+              </a:rPr>
+              <a:t>시</a:t>
+            </a:r>
+            <a:r>
+              <a:rPr lang="en-US" altLang="ko-KR" sz="1600" dirty="0">
+                <a:latin typeface="+mn-ea"/>
+              </a:rPr>
+              <a:t> </a:t>
+            </a:r>
+            <a:r>
+              <a:rPr lang="ko-KR" altLang="en-US" sz="1600" dirty="0">
+                <a:latin typeface="+mn-ea"/>
+              </a:rPr>
+              <a:t>보안</a:t>
+            </a:r>
+            <a:r>
+              <a:rPr lang="en-US" altLang="ko-KR" sz="1600" dirty="0">
+                <a:latin typeface="+mn-ea"/>
+              </a:rPr>
+              <a:t> </a:t>
+            </a:r>
+            <a:r>
+              <a:rPr lang="ko-KR" altLang="en-US" sz="1600" dirty="0">
+                <a:latin typeface="+mn-ea"/>
+              </a:rPr>
+              <a:t>키</a:t>
+            </a:r>
+            <a:r>
+              <a:rPr lang="en-US" altLang="ko-KR" sz="1600" dirty="0">
+                <a:latin typeface="+mn-ea"/>
+              </a:rPr>
+              <a:t> </a:t>
+            </a:r>
+            <a:r>
+              <a:rPr lang="ko-KR" altLang="en-US" sz="1600" dirty="0">
+                <a:latin typeface="+mn-ea"/>
+              </a:rPr>
+              <a:t>등록</a:t>
+            </a:r>
+            <a:r>
+              <a:rPr lang="en-US" altLang="ko-KR" sz="1600" dirty="0">
+                <a:latin typeface="+mn-ea"/>
+              </a:rPr>
+              <a:t> </a:t>
+            </a:r>
+            <a:r>
+              <a:rPr lang="ko-KR" altLang="en-US" sz="1600" dirty="0">
+                <a:latin typeface="+mn-ea"/>
+              </a:rPr>
+              <a:t>화면이</a:t>
+            </a:r>
+            <a:r>
+              <a:rPr lang="en-US" altLang="ko-KR" sz="1600" dirty="0">
+                <a:latin typeface="+mn-ea"/>
+              </a:rPr>
+              <a:t> </a:t>
+            </a:r>
+            <a:r>
+              <a:rPr lang="ko-KR" altLang="en-US" sz="1600" dirty="0">
+                <a:latin typeface="+mn-ea"/>
+              </a:rPr>
+              <a:t>나타나고</a:t>
+            </a:r>
+            <a:r>
+              <a:rPr lang="en-US" altLang="ko-KR" sz="1600" dirty="0">
+                <a:latin typeface="+mn-ea"/>
+              </a:rPr>
+              <a:t>, PC </a:t>
+            </a:r>
+            <a:r>
+              <a:rPr lang="ko-KR" altLang="en-US" sz="1600" dirty="0">
+                <a:latin typeface="+mn-ea"/>
+              </a:rPr>
+              <a:t>와</a:t>
+            </a:r>
+            <a:r>
+              <a:rPr lang="en-US" altLang="ko-KR" sz="1600" dirty="0">
+                <a:latin typeface="+mn-ea"/>
+              </a:rPr>
+              <a:t> </a:t>
+            </a:r>
+            <a:r>
+              <a:rPr lang="ko-KR" altLang="en-US" sz="1600" dirty="0">
+                <a:latin typeface="+mn-ea"/>
+              </a:rPr>
+              <a:t>연동해</a:t>
+            </a:r>
+            <a:r>
+              <a:rPr lang="en-US" altLang="ko-KR" sz="1600" dirty="0">
+                <a:latin typeface="+mn-ea"/>
+              </a:rPr>
+              <a:t> </a:t>
+            </a:r>
+            <a:r>
+              <a:rPr lang="ko-KR" altLang="en-US" sz="1600" dirty="0">
+                <a:latin typeface="+mn-ea"/>
+              </a:rPr>
+              <a:t>놓은</a:t>
+            </a:r>
+            <a:r>
+              <a:rPr lang="en-US" altLang="ko-KR" sz="1600" dirty="0">
+                <a:latin typeface="+mn-ea"/>
+              </a:rPr>
+              <a:t> FIdo </a:t>
+            </a:r>
+            <a:r>
+              <a:rPr lang="ko-KR" altLang="en-US" sz="1600" dirty="0">
+                <a:latin typeface="+mn-ea"/>
+              </a:rPr>
+              <a:t>기반의</a:t>
+            </a:r>
+            <a:r>
+              <a:rPr lang="en-US" altLang="ko-KR" sz="1600" dirty="0">
+                <a:latin typeface="+mn-ea"/>
+              </a:rPr>
+              <a:t> </a:t>
+            </a:r>
+            <a:r>
+              <a:rPr lang="ko-KR" altLang="en-US" sz="1600" dirty="0">
+                <a:latin typeface="+mn-ea"/>
+              </a:rPr>
+              <a:t>인증수단을</a:t>
+            </a:r>
+            <a:r>
+              <a:rPr lang="en-US" altLang="ko-KR" sz="1600" dirty="0">
+                <a:latin typeface="+mn-ea"/>
+              </a:rPr>
+              <a:t> </a:t>
+            </a:r>
+            <a:r>
+              <a:rPr lang="ko-KR" altLang="en-US" sz="1600" dirty="0">
+                <a:latin typeface="+mn-ea"/>
+              </a:rPr>
+              <a:t>등록할</a:t>
+            </a:r>
+            <a:r>
+              <a:rPr lang="en-US" altLang="ko-KR" sz="1600" dirty="0">
+                <a:latin typeface="+mn-ea"/>
+              </a:rPr>
+              <a:t> </a:t>
+            </a:r>
+            <a:r>
+              <a:rPr lang="ko-KR" altLang="en-US" sz="1600" dirty="0">
+                <a:latin typeface="+mn-ea"/>
+              </a:rPr>
+              <a:t>수</a:t>
+            </a:r>
+            <a:r>
+              <a:rPr lang="en-US" altLang="ko-KR" sz="1600" dirty="0">
+                <a:latin typeface="+mn-ea"/>
+              </a:rPr>
+              <a:t> </a:t>
+            </a:r>
+            <a:r>
+              <a:rPr lang="ko-KR" altLang="en-US" sz="1600" dirty="0">
+                <a:latin typeface="+mn-ea"/>
+              </a:rPr>
+              <a:t>있다</a:t>
+            </a:r>
+            <a:r>
+              <a:rPr lang="en-US" altLang="ko-KR" sz="1600" dirty="0">
+                <a:latin typeface="+mn-ea"/>
+              </a:rPr>
+              <a:t>. </a:t>
+            </a:r>
           </a:p>
         </p:txBody>
       </p:sp>
@@ -6527,6 +6417,7 @@
           <a:bodyPr wrap="square">
             <a:noAutofit/>
           </a:bodyPr>
+          <a:lstStyle/>
           <a:p>
             <a:endParaRPr lang="en-US" altLang="ko-KR" sz="1200" b="1" dirty="0">
               <a:solidFill>
@@ -6537,264 +6428,15 @@
           </a:p>
         </p:txBody>
       </p:sp>
-      <p:sp>
-        <p:nvSpPr>
-          <p:cNvPr id="8" name="직사각형 4"/>
-          <p:cNvSpPr/>
-          <p:nvPr/>
-        </p:nvSpPr>
-        <p:spPr>
-          <a:xfrm>
-            <a:off x="4658360" y="5533390"/>
-            <a:ext cx="5264150" cy="1470025"/>
-          </a:xfrm>
-          <a:prstGeom prst="rect">
-            <a:avLst/>
-          </a:prstGeom>
-        </p:spPr>
-        <p:txBody>
-          <a:bodyPr wrap="square">
-            <a:noAutofit/>
-          </a:bodyPr>
-          <a:p>
-            <a:r>
-              <a:rPr lang="ko-KR" altLang="en-US" sz="1200" b="1" dirty="0">
-                <a:solidFill>
-                  <a:srgbClr val="FF0000"/>
-                </a:solidFill>
-                <a:latin typeface="+mn-ea"/>
-              </a:rPr>
-              <a:t>기존</a:t>
-            </a:r>
-            <a:r>
-              <a:rPr lang="en-US" altLang="ko-KR" sz="1200" b="1" dirty="0">
-                <a:solidFill>
-                  <a:srgbClr val="FF0000"/>
-                </a:solidFill>
-                <a:latin typeface="+mn-ea"/>
-              </a:rPr>
-              <a:t> </a:t>
-            </a:r>
-            <a:r>
-              <a:rPr lang="ko-KR" altLang="en-US" sz="1200" b="1" dirty="0">
-                <a:solidFill>
-                  <a:srgbClr val="FF0000"/>
-                </a:solidFill>
-                <a:latin typeface="+mn-ea"/>
-              </a:rPr>
-              <a:t>방식과</a:t>
-            </a:r>
-            <a:r>
-              <a:rPr lang="en-US" altLang="ko-KR" sz="1200" b="1" dirty="0">
-                <a:solidFill>
-                  <a:srgbClr val="FF0000"/>
-                </a:solidFill>
-                <a:latin typeface="+mn-ea"/>
-              </a:rPr>
-              <a:t> </a:t>
-            </a:r>
-            <a:r>
-              <a:rPr lang="ko-KR" altLang="en-US" sz="1200" b="1" dirty="0">
-                <a:solidFill>
-                  <a:srgbClr val="FF0000"/>
-                </a:solidFill>
-                <a:latin typeface="+mn-ea"/>
-              </a:rPr>
-              <a:t>마찬가지로</a:t>
-            </a:r>
-            <a:r>
-              <a:rPr lang="en-US" altLang="ko-KR" sz="1200" b="1" dirty="0">
-                <a:solidFill>
-                  <a:srgbClr val="FF0000"/>
-                </a:solidFill>
-                <a:latin typeface="+mn-ea"/>
-              </a:rPr>
-              <a:t>, </a:t>
-            </a:r>
-            <a:r>
-              <a:rPr lang="ko-KR" altLang="en-US" sz="1200" b="1" dirty="0">
-                <a:solidFill>
-                  <a:srgbClr val="FF0000"/>
-                </a:solidFill>
-                <a:latin typeface="+mn-ea"/>
-              </a:rPr>
-              <a:t>비밀번호</a:t>
-            </a:r>
-            <a:r>
-              <a:rPr lang="en-US" altLang="ko-KR" sz="1200" b="1" dirty="0">
-                <a:solidFill>
-                  <a:srgbClr val="FF0000"/>
-                </a:solidFill>
-                <a:latin typeface="+mn-ea"/>
-              </a:rPr>
-              <a:t> </a:t>
-            </a:r>
-            <a:r>
-              <a:rPr lang="ko-KR" altLang="en-US" sz="1200" b="1" dirty="0">
-                <a:solidFill>
-                  <a:srgbClr val="FF0000"/>
-                </a:solidFill>
-                <a:latin typeface="+mn-ea"/>
-              </a:rPr>
-              <a:t>입력시</a:t>
-            </a:r>
-            <a:r>
-              <a:rPr lang="en-US" altLang="ko-KR" sz="1200" b="1" dirty="0">
-                <a:solidFill>
-                  <a:srgbClr val="FF0000"/>
-                </a:solidFill>
-                <a:latin typeface="+mn-ea"/>
-              </a:rPr>
-              <a:t> </a:t>
-            </a:r>
-            <a:r>
-              <a:rPr lang="ko-KR" altLang="en-US" sz="1200" b="1" dirty="0">
-                <a:solidFill>
-                  <a:srgbClr val="FF0000"/>
-                </a:solidFill>
-                <a:latin typeface="+mn-ea"/>
-              </a:rPr>
-              <a:t>로그인</a:t>
-            </a:r>
-            <a:r>
-              <a:rPr lang="en-US" altLang="ko-KR" sz="1200" b="1" dirty="0">
-                <a:solidFill>
-                  <a:srgbClr val="FF0000"/>
-                </a:solidFill>
-                <a:latin typeface="+mn-ea"/>
-              </a:rPr>
-              <a:t> </a:t>
-            </a:r>
-            <a:r>
-              <a:rPr lang="ko-KR" altLang="en-US" sz="1200" b="1" dirty="0">
-                <a:solidFill>
-                  <a:srgbClr val="FF0000"/>
-                </a:solidFill>
-                <a:latin typeface="+mn-ea"/>
-              </a:rPr>
-              <a:t>가능</a:t>
-            </a:r>
-            <a:endParaRPr lang="ko-KR" altLang="en-US" sz="1200" b="1" dirty="0">
-              <a:solidFill>
-                <a:srgbClr val="FF0000"/>
-              </a:solidFill>
-              <a:latin typeface="+mn-ea"/>
-            </a:endParaRPr>
-          </a:p>
-          <a:p>
-            <a:endParaRPr lang="ko-KR" altLang="en-US" sz="1200" b="1" dirty="0">
-              <a:solidFill>
-                <a:srgbClr val="FF0000"/>
-              </a:solidFill>
-              <a:latin typeface="+mn-ea"/>
-            </a:endParaRPr>
-          </a:p>
-          <a:p>
-            <a:r>
-              <a:rPr lang="ko-KR" altLang="en-US" sz="1200" b="1" dirty="0">
-                <a:solidFill>
-                  <a:srgbClr val="FF0000"/>
-                </a:solidFill>
-                <a:latin typeface="+mn-ea"/>
-              </a:rPr>
-              <a:t>다른</a:t>
-            </a:r>
-            <a:r>
-              <a:rPr lang="en-US" altLang="ko-KR" sz="1200" b="1" dirty="0">
-                <a:solidFill>
-                  <a:srgbClr val="FF0000"/>
-                </a:solidFill>
-                <a:latin typeface="+mn-ea"/>
-              </a:rPr>
-              <a:t> </a:t>
-            </a:r>
-            <a:r>
-              <a:rPr lang="ko-KR" altLang="en-US" sz="1200" b="1" dirty="0">
-                <a:solidFill>
-                  <a:srgbClr val="FF0000"/>
-                </a:solidFill>
-                <a:latin typeface="+mn-ea"/>
-              </a:rPr>
-              <a:t>인증</a:t>
-            </a:r>
-            <a:r>
-              <a:rPr lang="en-US" altLang="ko-KR" sz="1200" b="1" dirty="0">
-                <a:solidFill>
-                  <a:srgbClr val="FF0000"/>
-                </a:solidFill>
-                <a:latin typeface="+mn-ea"/>
-              </a:rPr>
-              <a:t> </a:t>
-            </a:r>
-            <a:r>
-              <a:rPr lang="ko-KR" altLang="en-US" sz="1200" b="1" dirty="0">
-                <a:solidFill>
-                  <a:srgbClr val="FF0000"/>
-                </a:solidFill>
-                <a:latin typeface="+mn-ea"/>
-              </a:rPr>
-              <a:t>방식</a:t>
-            </a:r>
-            <a:r>
-              <a:rPr lang="en-US" altLang="ko-KR" sz="1200" b="1" dirty="0">
-                <a:solidFill>
-                  <a:srgbClr val="FF0000"/>
-                </a:solidFill>
-                <a:latin typeface="+mn-ea"/>
-              </a:rPr>
-              <a:t> </a:t>
-            </a:r>
-            <a:r>
-              <a:rPr lang="ko-KR" altLang="en-US" sz="1200" b="1" dirty="0">
-                <a:solidFill>
-                  <a:srgbClr val="FF0000"/>
-                </a:solidFill>
-                <a:latin typeface="+mn-ea"/>
-              </a:rPr>
-              <a:t>클릭</a:t>
-            </a:r>
-            <a:endParaRPr lang="ko-KR" altLang="en-US" sz="1200" b="1" dirty="0">
-              <a:solidFill>
-                <a:srgbClr val="FF0000"/>
-              </a:solidFill>
-              <a:latin typeface="+mn-ea"/>
-            </a:endParaRPr>
-          </a:p>
-        </p:txBody>
-      </p:sp>
       <p:pic>
         <p:nvPicPr>
-          <p:cNvPr id="5" name="Content Placeholder 4"/>
+          <p:cNvPr id="7" name="Content Placeholder 6"/>
           <p:cNvPicPr>
-            <a:picLocks noChangeAspect="1"/>
+            <a:picLocks noGrp="1" noChangeAspect="1"/>
           </p:cNvPicPr>
           <p:nvPr>
             <p:ph idx="1"/>
           </p:nvPr>
-        </p:nvPicPr>
-        <p:blipFill>
-          <a:blip r:embed="rId1"/>
-          <a:stretch>
-            <a:fillRect/>
-          </a:stretch>
-        </p:blipFill>
-        <p:spPr>
-          <a:xfrm>
-            <a:off x="363855" y="1381760"/>
-            <a:ext cx="3540125" cy="4094480"/>
-          </a:xfrm>
-          <a:prstGeom prst="rect">
-            <a:avLst/>
-          </a:prstGeom>
-        </p:spPr>
-      </p:pic>
-      <p:pic>
-        <p:nvPicPr>
-          <p:cNvPr id="9" name="Picture 8"/>
-          <p:cNvPicPr>
-            <a:picLocks noChangeAspect="1"/>
-          </p:cNvPicPr>
-          <p:nvPr/>
         </p:nvPicPr>
         <p:blipFill>
           <a:blip r:embed="rId2"/>
@@ -6804,443 +6446,39 @@
         </p:blipFill>
         <p:spPr>
           <a:xfrm>
-            <a:off x="4658360" y="1438910"/>
-            <a:ext cx="3528060" cy="4094480"/>
+            <a:off x="113030" y="2092325"/>
+            <a:ext cx="5058410" cy="4088130"/>
           </a:xfrm>
           <a:prstGeom prst="rect">
             <a:avLst/>
           </a:prstGeom>
         </p:spPr>
       </p:pic>
-      <p:sp>
-        <p:nvSpPr>
-          <p:cNvPr id="10" name="직사각형 4"/>
-          <p:cNvSpPr/>
+      <p:pic>
+        <p:nvPicPr>
+          <p:cNvPr id="8" name="Picture 7"/>
+          <p:cNvPicPr>
+            <a:picLocks noChangeAspect="1"/>
+          </p:cNvPicPr>
           <p:nvPr/>
-        </p:nvSpPr>
+        </p:nvPicPr>
+        <p:blipFill>
+          <a:blip r:embed="rId3"/>
+          <a:srcRect l="10598" t="5679" r="11015" b="5129"/>
+          <a:stretch>
+            <a:fillRect/>
+          </a:stretch>
+        </p:blipFill>
         <p:spPr>
           <a:xfrm>
-            <a:off x="363855" y="5533390"/>
-            <a:ext cx="3540125" cy="1470025"/>
+            <a:off x="5255260" y="2026920"/>
+            <a:ext cx="3696335" cy="4218305"/>
           </a:xfrm>
           <a:prstGeom prst="rect">
             <a:avLst/>
           </a:prstGeom>
         </p:spPr>
-        <p:txBody>
-          <a:bodyPr wrap="square">
-            <a:noAutofit/>
-          </a:bodyPr>
-          <a:p>
-            <a:r>
-              <a:rPr lang="ko-KR" altLang="en-US" sz="1200" b="1" dirty="0">
-                <a:solidFill>
-                  <a:srgbClr val="FF0000"/>
-                </a:solidFill>
-                <a:latin typeface="+mn-ea"/>
-              </a:rPr>
-              <a:t>인증수단을</a:t>
-            </a:r>
-            <a:r>
-              <a:rPr lang="en-US" altLang="ko-KR" sz="1200" b="1" dirty="0">
-                <a:solidFill>
-                  <a:srgbClr val="FF0000"/>
-                </a:solidFill>
-                <a:latin typeface="+mn-ea"/>
-              </a:rPr>
-              <a:t> </a:t>
-            </a:r>
-            <a:r>
-              <a:rPr lang="ko-KR" altLang="en-US" sz="1200" b="1" dirty="0">
-                <a:solidFill>
-                  <a:srgbClr val="FF0000"/>
-                </a:solidFill>
-                <a:latin typeface="+mn-ea"/>
-              </a:rPr>
-              <a:t>고르기</a:t>
-            </a:r>
-            <a:r>
-              <a:rPr lang="en-US" altLang="ko-KR" sz="1200" b="1" dirty="0">
-                <a:solidFill>
-                  <a:srgbClr val="FF0000"/>
-                </a:solidFill>
-                <a:latin typeface="+mn-ea"/>
-              </a:rPr>
-              <a:t> </a:t>
-            </a:r>
-            <a:r>
-              <a:rPr lang="ko-KR" altLang="en-US" sz="1200" b="1" dirty="0">
-                <a:solidFill>
-                  <a:srgbClr val="FF0000"/>
-                </a:solidFill>
-                <a:latin typeface="+mn-ea"/>
-              </a:rPr>
-              <a:t>전에</a:t>
-            </a:r>
-            <a:r>
-              <a:rPr lang="en-US" altLang="ko-KR" sz="1200" b="1" dirty="0">
-                <a:solidFill>
-                  <a:srgbClr val="FF0000"/>
-                </a:solidFill>
-                <a:latin typeface="+mn-ea"/>
-              </a:rPr>
-              <a:t>, </a:t>
-            </a:r>
-            <a:r>
-              <a:rPr lang="ko-KR" altLang="en-US" sz="1200" b="1" dirty="0">
-                <a:solidFill>
-                  <a:srgbClr val="FF0000"/>
-                </a:solidFill>
-                <a:latin typeface="+mn-ea"/>
-              </a:rPr>
-              <a:t>이메일을</a:t>
-            </a:r>
-            <a:r>
-              <a:rPr lang="en-US" altLang="ko-KR" sz="1200" b="1" dirty="0">
-                <a:solidFill>
-                  <a:srgbClr val="FF0000"/>
-                </a:solidFill>
-                <a:latin typeface="+mn-ea"/>
-              </a:rPr>
-              <a:t> </a:t>
-            </a:r>
-            <a:r>
-              <a:rPr lang="ko-KR" altLang="en-US" sz="1200" b="1" dirty="0">
-                <a:solidFill>
-                  <a:srgbClr val="FF0000"/>
-                </a:solidFill>
-                <a:latin typeface="+mn-ea"/>
-              </a:rPr>
-              <a:t>먼저</a:t>
-            </a:r>
-            <a:r>
-              <a:rPr lang="en-US" altLang="ko-KR" sz="1200" b="1" dirty="0">
-                <a:solidFill>
-                  <a:srgbClr val="FF0000"/>
-                </a:solidFill>
-                <a:latin typeface="+mn-ea"/>
-              </a:rPr>
-              <a:t> </a:t>
-            </a:r>
-            <a:r>
-              <a:rPr lang="ko-KR" altLang="en-US" sz="1200" b="1" dirty="0">
-                <a:solidFill>
-                  <a:srgbClr val="FF0000"/>
-                </a:solidFill>
-                <a:latin typeface="+mn-ea"/>
-              </a:rPr>
-              <a:t>입력한다</a:t>
-            </a:r>
-            <a:r>
-              <a:rPr lang="en-US" altLang="ko-KR" sz="1200" b="1" dirty="0">
-                <a:solidFill>
-                  <a:srgbClr val="FF0000"/>
-                </a:solidFill>
-                <a:latin typeface="+mn-ea"/>
-              </a:rPr>
-              <a:t>.</a:t>
-            </a:r>
-            <a:endParaRPr lang="en-US" altLang="ko-KR" sz="1200" b="1" dirty="0">
-              <a:solidFill>
-                <a:srgbClr val="FF0000"/>
-              </a:solidFill>
-              <a:latin typeface="+mn-ea"/>
-            </a:endParaRPr>
-          </a:p>
-          <a:p>
-            <a:r>
-              <a:rPr lang="ko-KR" altLang="en-US" sz="1200" b="1" dirty="0">
-                <a:solidFill>
-                  <a:srgbClr val="FF0000"/>
-                </a:solidFill>
-                <a:latin typeface="+mn-ea"/>
-              </a:rPr>
-              <a:t>이메일</a:t>
-            </a:r>
-            <a:r>
-              <a:rPr lang="en-US" altLang="ko-KR" sz="1200" b="1" dirty="0">
-                <a:solidFill>
-                  <a:srgbClr val="FF0000"/>
-                </a:solidFill>
-                <a:latin typeface="+mn-ea"/>
-              </a:rPr>
-              <a:t> </a:t>
-            </a:r>
-            <a:r>
-              <a:rPr lang="ko-KR" altLang="en-US" sz="1200" b="1" dirty="0">
-                <a:solidFill>
-                  <a:srgbClr val="FF0000"/>
-                </a:solidFill>
-                <a:latin typeface="+mn-ea"/>
-              </a:rPr>
-              <a:t>기억하기를</a:t>
-            </a:r>
-            <a:r>
-              <a:rPr lang="en-US" altLang="ko-KR" sz="1200" b="1" dirty="0">
-                <a:solidFill>
-                  <a:srgbClr val="FF0000"/>
-                </a:solidFill>
-                <a:latin typeface="+mn-ea"/>
-              </a:rPr>
-              <a:t> </a:t>
-            </a:r>
-            <a:r>
-              <a:rPr lang="ko-KR" altLang="en-US" sz="1200" b="1" dirty="0">
-                <a:solidFill>
-                  <a:srgbClr val="FF0000"/>
-                </a:solidFill>
-                <a:latin typeface="+mn-ea"/>
-              </a:rPr>
-              <a:t>활성화</a:t>
-            </a:r>
-            <a:r>
-              <a:rPr lang="en-US" altLang="ko-KR" sz="1200" b="1" dirty="0">
-                <a:solidFill>
-                  <a:srgbClr val="FF0000"/>
-                </a:solidFill>
-                <a:latin typeface="+mn-ea"/>
-              </a:rPr>
-              <a:t> </a:t>
-            </a:r>
-            <a:r>
-              <a:rPr lang="ko-KR" altLang="en-US" sz="1200" b="1" dirty="0">
-                <a:solidFill>
-                  <a:srgbClr val="FF0000"/>
-                </a:solidFill>
-                <a:latin typeface="+mn-ea"/>
-              </a:rPr>
-              <a:t>하면</a:t>
-            </a:r>
-            <a:r>
-              <a:rPr lang="en-US" altLang="ko-KR" sz="1200" b="1" dirty="0">
-                <a:solidFill>
-                  <a:srgbClr val="FF0000"/>
-                </a:solidFill>
-                <a:latin typeface="+mn-ea"/>
-              </a:rPr>
-              <a:t> </a:t>
-            </a:r>
-            <a:r>
-              <a:rPr lang="ko-KR" altLang="en-US" sz="1200" b="1" dirty="0">
-                <a:solidFill>
-                  <a:srgbClr val="FF0000"/>
-                </a:solidFill>
-                <a:latin typeface="+mn-ea"/>
-              </a:rPr>
-              <a:t>이메일이</a:t>
-            </a:r>
-            <a:r>
-              <a:rPr lang="en-US" altLang="ko-KR" sz="1200" b="1" dirty="0">
-                <a:solidFill>
-                  <a:srgbClr val="FF0000"/>
-                </a:solidFill>
-                <a:latin typeface="+mn-ea"/>
-              </a:rPr>
-              <a:t> </a:t>
-            </a:r>
-            <a:r>
-              <a:rPr lang="ko-KR" altLang="en-US" sz="1200" b="1" dirty="0">
-                <a:solidFill>
-                  <a:srgbClr val="FF0000"/>
-                </a:solidFill>
-                <a:latin typeface="+mn-ea"/>
-              </a:rPr>
-              <a:t>저장되므로</a:t>
-            </a:r>
-            <a:r>
-              <a:rPr lang="en-US" altLang="ko-KR" sz="1200" b="1" dirty="0">
-                <a:solidFill>
-                  <a:srgbClr val="FF0000"/>
-                </a:solidFill>
-                <a:latin typeface="+mn-ea"/>
-              </a:rPr>
-              <a:t>, </a:t>
-            </a:r>
-            <a:r>
-              <a:rPr lang="ko-KR" altLang="en-US" sz="1200" b="1" dirty="0">
-                <a:solidFill>
-                  <a:srgbClr val="FF0000"/>
-                </a:solidFill>
-                <a:latin typeface="+mn-ea"/>
-              </a:rPr>
-              <a:t>개인</a:t>
-            </a:r>
-            <a:r>
-              <a:rPr lang="en-US" altLang="ko-KR" sz="1200" b="1" dirty="0">
-                <a:solidFill>
-                  <a:srgbClr val="FF0000"/>
-                </a:solidFill>
-                <a:latin typeface="+mn-ea"/>
-              </a:rPr>
-              <a:t> PC</a:t>
-            </a:r>
-            <a:r>
-              <a:rPr lang="ko-KR" altLang="en-US" sz="1200" b="1" dirty="0">
-                <a:solidFill>
-                  <a:srgbClr val="FF0000"/>
-                </a:solidFill>
-                <a:latin typeface="+mn-ea"/>
-              </a:rPr>
-              <a:t>에서는</a:t>
-            </a:r>
-            <a:r>
-              <a:rPr lang="en-US" altLang="ko-KR" sz="1200" b="1" dirty="0">
-                <a:solidFill>
-                  <a:srgbClr val="FF0000"/>
-                </a:solidFill>
-                <a:latin typeface="+mn-ea"/>
-              </a:rPr>
-              <a:t> </a:t>
-            </a:r>
-            <a:r>
-              <a:rPr lang="ko-KR" altLang="en-US" sz="1200" b="1" dirty="0">
-                <a:solidFill>
-                  <a:srgbClr val="FF0000"/>
-                </a:solidFill>
-                <a:latin typeface="+mn-ea"/>
-              </a:rPr>
-              <a:t>계속해서</a:t>
-            </a:r>
-            <a:r>
-              <a:rPr lang="en-US" altLang="ko-KR" sz="1200" b="1" dirty="0">
-                <a:solidFill>
-                  <a:srgbClr val="FF0000"/>
-                </a:solidFill>
-                <a:latin typeface="+mn-ea"/>
-              </a:rPr>
-              <a:t> </a:t>
-            </a:r>
-            <a:r>
-              <a:rPr lang="ko-KR" altLang="en-US" sz="1200" b="1" dirty="0">
-                <a:solidFill>
-                  <a:srgbClr val="FF0000"/>
-                </a:solidFill>
-                <a:latin typeface="+mn-ea"/>
-              </a:rPr>
-              <a:t>입력</a:t>
-            </a:r>
-            <a:r>
-              <a:rPr lang="en-US" altLang="ko-KR" sz="1200" b="1" dirty="0">
-                <a:solidFill>
-                  <a:srgbClr val="FF0000"/>
-                </a:solidFill>
-                <a:latin typeface="+mn-ea"/>
-              </a:rPr>
-              <a:t> </a:t>
-            </a:r>
-            <a:r>
-              <a:rPr lang="ko-KR" altLang="en-US" sz="1200" b="1" dirty="0">
-                <a:solidFill>
-                  <a:srgbClr val="FF0000"/>
-                </a:solidFill>
-                <a:latin typeface="+mn-ea"/>
-              </a:rPr>
-              <a:t>하는걸</a:t>
-            </a:r>
-            <a:r>
-              <a:rPr lang="en-US" altLang="ko-KR" sz="1200" b="1" dirty="0">
-                <a:solidFill>
-                  <a:srgbClr val="FF0000"/>
-                </a:solidFill>
-                <a:latin typeface="+mn-ea"/>
-              </a:rPr>
-              <a:t> </a:t>
-            </a:r>
-            <a:r>
-              <a:rPr lang="ko-KR" altLang="en-US" sz="1200" b="1" dirty="0">
-                <a:solidFill>
-                  <a:srgbClr val="FF0000"/>
-                </a:solidFill>
-                <a:latin typeface="+mn-ea"/>
-              </a:rPr>
-              <a:t>막을</a:t>
-            </a:r>
-            <a:r>
-              <a:rPr lang="en-US" altLang="ko-KR" sz="1200" b="1" dirty="0">
-                <a:solidFill>
-                  <a:srgbClr val="FF0000"/>
-                </a:solidFill>
-                <a:latin typeface="+mn-ea"/>
-              </a:rPr>
-              <a:t> </a:t>
-            </a:r>
-            <a:r>
-              <a:rPr lang="ko-KR" altLang="en-US" sz="1200" b="1" dirty="0">
-                <a:solidFill>
-                  <a:srgbClr val="FF0000"/>
-                </a:solidFill>
-                <a:latin typeface="+mn-ea"/>
-              </a:rPr>
-              <a:t>수</a:t>
-            </a:r>
-            <a:r>
-              <a:rPr lang="en-US" altLang="ko-KR" sz="1200" b="1" dirty="0">
-                <a:solidFill>
-                  <a:srgbClr val="FF0000"/>
-                </a:solidFill>
-                <a:latin typeface="+mn-ea"/>
-              </a:rPr>
-              <a:t> </a:t>
-            </a:r>
-            <a:r>
-              <a:rPr lang="ko-KR" altLang="en-US" sz="1200" b="1" dirty="0">
-                <a:solidFill>
-                  <a:srgbClr val="FF0000"/>
-                </a:solidFill>
-                <a:latin typeface="+mn-ea"/>
-              </a:rPr>
-              <a:t>있다</a:t>
-            </a:r>
-            <a:r>
-              <a:rPr lang="en-US" altLang="ko-KR" sz="1200" b="1" dirty="0">
-                <a:solidFill>
-                  <a:srgbClr val="FF0000"/>
-                </a:solidFill>
-                <a:latin typeface="+mn-ea"/>
-              </a:rPr>
-              <a:t>.</a:t>
-            </a:r>
-            <a:endParaRPr lang="en-US" altLang="ko-KR" sz="1200" b="1" dirty="0">
-              <a:solidFill>
-                <a:srgbClr val="FF0000"/>
-              </a:solidFill>
-              <a:latin typeface="+mn-ea"/>
-            </a:endParaRPr>
-          </a:p>
-        </p:txBody>
-      </p:sp>
-      <p:sp>
-        <p:nvSpPr>
-          <p:cNvPr id="11" name="직사각형 4"/>
-          <p:cNvSpPr/>
-          <p:nvPr/>
-        </p:nvSpPr>
-        <p:spPr>
-          <a:xfrm>
-            <a:off x="268605" y="906145"/>
-            <a:ext cx="8606155" cy="5487035"/>
-          </a:xfrm>
-          <a:prstGeom prst="rect">
-            <a:avLst/>
-          </a:prstGeom>
-        </p:spPr>
-        <p:txBody>
-          <a:bodyPr wrap="square">
-            <a:noAutofit/>
-          </a:bodyPr>
-          <a:p>
-            <a:r>
-              <a:rPr lang="en-US" altLang="ko-KR" sz="1600" dirty="0">
-                <a:latin typeface="+mn-ea"/>
-              </a:rPr>
-              <a:t>- Login Theme : Tmax</a:t>
-            </a:r>
-            <a:endParaRPr lang="ko-KR" altLang="en-US" sz="1600" dirty="0">
-              <a:latin typeface="+mn-ea"/>
-            </a:endParaRPr>
-          </a:p>
-        </p:txBody>
-      </p:sp>
+      </p:pic>
     </p:spTree>
   </p:cSld>
   <p:clrMapOvr>
@@ -7341,7 +6579,6 @@
               <a:rPr lang="en-US" altLang="ko-KR" b="1" dirty="0"/>
               <a:t>)</a:t>
             </a:r>
-            <a:endParaRPr lang="en-US" altLang="ko-KR" b="1" dirty="0"/>
           </a:p>
         </p:txBody>
       </p:sp>
@@ -7362,6 +6599,7 @@
           <a:p>
             <a:fld id="{46AE23CF-7DA0-4EBA-8411-E6590A2914FC}" type="slidenum">
               <a:rPr lang="ko-KR" altLang="en-US" smtClean="0"/>
+              <a:t>8</a:t>
             </a:fld>
             <a:r>
               <a:rPr lang="ko-KR" altLang="en-US" dirty="0"/>
@@ -7394,6 +6632,854 @@
           <a:bodyPr wrap="square">
             <a:noAutofit/>
           </a:bodyPr>
+          <a:lstStyle/>
+          <a:p>
+            <a:endParaRPr lang="en-US" altLang="ko-KR" sz="1200" b="1" dirty="0">
+              <a:solidFill>
+                <a:srgbClr val="FF0000"/>
+              </a:solidFill>
+              <a:latin typeface="+mn-ea"/>
+            </a:endParaRPr>
+          </a:p>
+        </p:txBody>
+      </p:sp>
+      <p:sp>
+        <p:nvSpPr>
+          <p:cNvPr id="8" name="직사각형 4"/>
+          <p:cNvSpPr/>
+          <p:nvPr/>
+        </p:nvSpPr>
+        <p:spPr>
+          <a:xfrm>
+            <a:off x="4658360" y="5533390"/>
+            <a:ext cx="5264150" cy="1470025"/>
+          </a:xfrm>
+          <a:prstGeom prst="rect">
+            <a:avLst/>
+          </a:prstGeom>
+        </p:spPr>
+        <p:txBody>
+          <a:bodyPr wrap="square">
+            <a:noAutofit/>
+          </a:bodyPr>
+          <a:lstStyle/>
+          <a:p>
+            <a:r>
+              <a:rPr lang="ko-KR" altLang="en-US" sz="1200" b="1" dirty="0">
+                <a:solidFill>
+                  <a:srgbClr val="FF0000"/>
+                </a:solidFill>
+                <a:latin typeface="+mn-ea"/>
+              </a:rPr>
+              <a:t>기존</a:t>
+            </a:r>
+            <a:r>
+              <a:rPr lang="en-US" altLang="ko-KR" sz="1200" b="1" dirty="0">
+                <a:solidFill>
+                  <a:srgbClr val="FF0000"/>
+                </a:solidFill>
+                <a:latin typeface="+mn-ea"/>
+              </a:rPr>
+              <a:t> </a:t>
+            </a:r>
+            <a:r>
+              <a:rPr lang="ko-KR" altLang="en-US" sz="1200" b="1" dirty="0">
+                <a:solidFill>
+                  <a:srgbClr val="FF0000"/>
+                </a:solidFill>
+                <a:latin typeface="+mn-ea"/>
+              </a:rPr>
+              <a:t>방식과</a:t>
+            </a:r>
+            <a:r>
+              <a:rPr lang="en-US" altLang="ko-KR" sz="1200" b="1" dirty="0">
+                <a:solidFill>
+                  <a:srgbClr val="FF0000"/>
+                </a:solidFill>
+                <a:latin typeface="+mn-ea"/>
+              </a:rPr>
+              <a:t> </a:t>
+            </a:r>
+            <a:r>
+              <a:rPr lang="ko-KR" altLang="en-US" sz="1200" b="1" dirty="0">
+                <a:solidFill>
+                  <a:srgbClr val="FF0000"/>
+                </a:solidFill>
+                <a:latin typeface="+mn-ea"/>
+              </a:rPr>
+              <a:t>마찬가지로</a:t>
+            </a:r>
+            <a:r>
+              <a:rPr lang="en-US" altLang="ko-KR" sz="1200" b="1" dirty="0">
+                <a:solidFill>
+                  <a:srgbClr val="FF0000"/>
+                </a:solidFill>
+                <a:latin typeface="+mn-ea"/>
+              </a:rPr>
+              <a:t>, </a:t>
+            </a:r>
+            <a:r>
+              <a:rPr lang="ko-KR" altLang="en-US" sz="1200" b="1" dirty="0">
+                <a:solidFill>
+                  <a:srgbClr val="FF0000"/>
+                </a:solidFill>
+                <a:latin typeface="+mn-ea"/>
+              </a:rPr>
+              <a:t>비밀번호</a:t>
+            </a:r>
+            <a:r>
+              <a:rPr lang="en-US" altLang="ko-KR" sz="1200" b="1" dirty="0">
+                <a:solidFill>
+                  <a:srgbClr val="FF0000"/>
+                </a:solidFill>
+                <a:latin typeface="+mn-ea"/>
+              </a:rPr>
+              <a:t> </a:t>
+            </a:r>
+            <a:r>
+              <a:rPr lang="ko-KR" altLang="en-US" sz="1200" b="1" dirty="0">
+                <a:solidFill>
+                  <a:srgbClr val="FF0000"/>
+                </a:solidFill>
+                <a:latin typeface="+mn-ea"/>
+              </a:rPr>
+              <a:t>입력시</a:t>
+            </a:r>
+            <a:r>
+              <a:rPr lang="en-US" altLang="ko-KR" sz="1200" b="1" dirty="0">
+                <a:solidFill>
+                  <a:srgbClr val="FF0000"/>
+                </a:solidFill>
+                <a:latin typeface="+mn-ea"/>
+              </a:rPr>
+              <a:t> </a:t>
+            </a:r>
+            <a:r>
+              <a:rPr lang="ko-KR" altLang="en-US" sz="1200" b="1" dirty="0">
+                <a:solidFill>
+                  <a:srgbClr val="FF0000"/>
+                </a:solidFill>
+                <a:latin typeface="+mn-ea"/>
+              </a:rPr>
+              <a:t>로그인</a:t>
+            </a:r>
+            <a:r>
+              <a:rPr lang="en-US" altLang="ko-KR" sz="1200" b="1" dirty="0">
+                <a:solidFill>
+                  <a:srgbClr val="FF0000"/>
+                </a:solidFill>
+                <a:latin typeface="+mn-ea"/>
+              </a:rPr>
+              <a:t> </a:t>
+            </a:r>
+            <a:r>
+              <a:rPr lang="ko-KR" altLang="en-US" sz="1200" b="1" dirty="0">
+                <a:solidFill>
+                  <a:srgbClr val="FF0000"/>
+                </a:solidFill>
+                <a:latin typeface="+mn-ea"/>
+              </a:rPr>
+              <a:t>가능</a:t>
+            </a:r>
+          </a:p>
+          <a:p>
+            <a:endParaRPr lang="ko-KR" altLang="en-US" sz="1200" b="1" dirty="0">
+              <a:solidFill>
+                <a:srgbClr val="FF0000"/>
+              </a:solidFill>
+              <a:latin typeface="+mn-ea"/>
+            </a:endParaRPr>
+          </a:p>
+          <a:p>
+            <a:r>
+              <a:rPr lang="ko-KR" altLang="en-US" sz="1200" b="1" dirty="0">
+                <a:solidFill>
+                  <a:srgbClr val="FF0000"/>
+                </a:solidFill>
+                <a:latin typeface="+mn-ea"/>
+              </a:rPr>
+              <a:t>다른</a:t>
+            </a:r>
+            <a:r>
+              <a:rPr lang="en-US" altLang="ko-KR" sz="1200" b="1" dirty="0">
+                <a:solidFill>
+                  <a:srgbClr val="FF0000"/>
+                </a:solidFill>
+                <a:latin typeface="+mn-ea"/>
+              </a:rPr>
+              <a:t> </a:t>
+            </a:r>
+            <a:r>
+              <a:rPr lang="ko-KR" altLang="en-US" sz="1200" b="1" dirty="0">
+                <a:solidFill>
+                  <a:srgbClr val="FF0000"/>
+                </a:solidFill>
+                <a:latin typeface="+mn-ea"/>
+              </a:rPr>
+              <a:t>인증</a:t>
+            </a:r>
+            <a:r>
+              <a:rPr lang="en-US" altLang="ko-KR" sz="1200" b="1" dirty="0">
+                <a:solidFill>
+                  <a:srgbClr val="FF0000"/>
+                </a:solidFill>
+                <a:latin typeface="+mn-ea"/>
+              </a:rPr>
+              <a:t> </a:t>
+            </a:r>
+            <a:r>
+              <a:rPr lang="ko-KR" altLang="en-US" sz="1200" b="1" dirty="0">
+                <a:solidFill>
+                  <a:srgbClr val="FF0000"/>
+                </a:solidFill>
+                <a:latin typeface="+mn-ea"/>
+              </a:rPr>
+              <a:t>방식</a:t>
+            </a:r>
+            <a:r>
+              <a:rPr lang="en-US" altLang="ko-KR" sz="1200" b="1" dirty="0">
+                <a:solidFill>
+                  <a:srgbClr val="FF0000"/>
+                </a:solidFill>
+                <a:latin typeface="+mn-ea"/>
+              </a:rPr>
+              <a:t> </a:t>
+            </a:r>
+            <a:r>
+              <a:rPr lang="ko-KR" altLang="en-US" sz="1200" b="1" dirty="0">
+                <a:solidFill>
+                  <a:srgbClr val="FF0000"/>
+                </a:solidFill>
+                <a:latin typeface="+mn-ea"/>
+              </a:rPr>
+              <a:t>클릭</a:t>
+            </a:r>
+          </a:p>
+        </p:txBody>
+      </p:sp>
+      <p:pic>
+        <p:nvPicPr>
+          <p:cNvPr id="5" name="Content Placeholder 4"/>
+          <p:cNvPicPr>
+            <a:picLocks noGrp="1" noChangeAspect="1"/>
+          </p:cNvPicPr>
+          <p:nvPr>
+            <p:ph idx="1"/>
+          </p:nvPr>
+        </p:nvPicPr>
+        <p:blipFill>
+          <a:blip r:embed="rId2"/>
+          <a:stretch>
+            <a:fillRect/>
+          </a:stretch>
+        </p:blipFill>
+        <p:spPr>
+          <a:xfrm>
+            <a:off x="363855" y="1381760"/>
+            <a:ext cx="3540125" cy="4094480"/>
+          </a:xfrm>
+          <a:prstGeom prst="rect">
+            <a:avLst/>
+          </a:prstGeom>
+        </p:spPr>
+      </p:pic>
+      <p:pic>
+        <p:nvPicPr>
+          <p:cNvPr id="9" name="Picture 8"/>
+          <p:cNvPicPr>
+            <a:picLocks noChangeAspect="1"/>
+          </p:cNvPicPr>
+          <p:nvPr/>
+        </p:nvPicPr>
+        <p:blipFill>
+          <a:blip r:embed="rId3"/>
+          <a:stretch>
+            <a:fillRect/>
+          </a:stretch>
+        </p:blipFill>
+        <p:spPr>
+          <a:xfrm>
+            <a:off x="4658360" y="1438910"/>
+            <a:ext cx="3528060" cy="4094480"/>
+          </a:xfrm>
+          <a:prstGeom prst="rect">
+            <a:avLst/>
+          </a:prstGeom>
+        </p:spPr>
+      </p:pic>
+      <p:sp>
+        <p:nvSpPr>
+          <p:cNvPr id="10" name="직사각형 4"/>
+          <p:cNvSpPr/>
+          <p:nvPr/>
+        </p:nvSpPr>
+        <p:spPr>
+          <a:xfrm>
+            <a:off x="363855" y="5533390"/>
+            <a:ext cx="3540125" cy="1470025"/>
+          </a:xfrm>
+          <a:prstGeom prst="rect">
+            <a:avLst/>
+          </a:prstGeom>
+        </p:spPr>
+        <p:txBody>
+          <a:bodyPr wrap="square">
+            <a:noAutofit/>
+          </a:bodyPr>
+          <a:lstStyle/>
+          <a:p>
+            <a:r>
+              <a:rPr lang="ko-KR" altLang="en-US" sz="1200" b="1" dirty="0">
+                <a:solidFill>
+                  <a:srgbClr val="FF0000"/>
+                </a:solidFill>
+                <a:latin typeface="+mn-ea"/>
+              </a:rPr>
+              <a:t>인증수단을</a:t>
+            </a:r>
+            <a:r>
+              <a:rPr lang="en-US" altLang="ko-KR" sz="1200" b="1" dirty="0">
+                <a:solidFill>
+                  <a:srgbClr val="FF0000"/>
+                </a:solidFill>
+                <a:latin typeface="+mn-ea"/>
+              </a:rPr>
+              <a:t> </a:t>
+            </a:r>
+            <a:r>
+              <a:rPr lang="ko-KR" altLang="en-US" sz="1200" b="1" dirty="0">
+                <a:solidFill>
+                  <a:srgbClr val="FF0000"/>
+                </a:solidFill>
+                <a:latin typeface="+mn-ea"/>
+              </a:rPr>
+              <a:t>고르기</a:t>
+            </a:r>
+            <a:r>
+              <a:rPr lang="en-US" altLang="ko-KR" sz="1200" b="1" dirty="0">
+                <a:solidFill>
+                  <a:srgbClr val="FF0000"/>
+                </a:solidFill>
+                <a:latin typeface="+mn-ea"/>
+              </a:rPr>
+              <a:t> </a:t>
+            </a:r>
+            <a:r>
+              <a:rPr lang="ko-KR" altLang="en-US" sz="1200" b="1" dirty="0">
+                <a:solidFill>
+                  <a:srgbClr val="FF0000"/>
+                </a:solidFill>
+                <a:latin typeface="+mn-ea"/>
+              </a:rPr>
+              <a:t>전에</a:t>
+            </a:r>
+            <a:r>
+              <a:rPr lang="en-US" altLang="ko-KR" sz="1200" b="1" dirty="0">
+                <a:solidFill>
+                  <a:srgbClr val="FF0000"/>
+                </a:solidFill>
+                <a:latin typeface="+mn-ea"/>
+              </a:rPr>
+              <a:t>, </a:t>
+            </a:r>
+            <a:r>
+              <a:rPr lang="ko-KR" altLang="en-US" sz="1200" b="1" dirty="0">
+                <a:solidFill>
+                  <a:srgbClr val="FF0000"/>
+                </a:solidFill>
+                <a:latin typeface="+mn-ea"/>
+              </a:rPr>
+              <a:t>이메일을</a:t>
+            </a:r>
+            <a:r>
+              <a:rPr lang="en-US" altLang="ko-KR" sz="1200" b="1" dirty="0">
+                <a:solidFill>
+                  <a:srgbClr val="FF0000"/>
+                </a:solidFill>
+                <a:latin typeface="+mn-ea"/>
+              </a:rPr>
+              <a:t> </a:t>
+            </a:r>
+            <a:r>
+              <a:rPr lang="ko-KR" altLang="en-US" sz="1200" b="1" dirty="0">
+                <a:solidFill>
+                  <a:srgbClr val="FF0000"/>
+                </a:solidFill>
+                <a:latin typeface="+mn-ea"/>
+              </a:rPr>
+              <a:t>먼저</a:t>
+            </a:r>
+            <a:r>
+              <a:rPr lang="en-US" altLang="ko-KR" sz="1200" b="1" dirty="0">
+                <a:solidFill>
+                  <a:srgbClr val="FF0000"/>
+                </a:solidFill>
+                <a:latin typeface="+mn-ea"/>
+              </a:rPr>
+              <a:t> </a:t>
+            </a:r>
+            <a:r>
+              <a:rPr lang="ko-KR" altLang="en-US" sz="1200" b="1" dirty="0">
+                <a:solidFill>
+                  <a:srgbClr val="FF0000"/>
+                </a:solidFill>
+                <a:latin typeface="+mn-ea"/>
+              </a:rPr>
+              <a:t>입력한다</a:t>
+            </a:r>
+            <a:r>
+              <a:rPr lang="en-US" altLang="ko-KR" sz="1200" b="1" dirty="0">
+                <a:solidFill>
+                  <a:srgbClr val="FF0000"/>
+                </a:solidFill>
+                <a:latin typeface="+mn-ea"/>
+              </a:rPr>
+              <a:t>.</a:t>
+            </a:r>
+          </a:p>
+          <a:p>
+            <a:r>
+              <a:rPr lang="ko-KR" altLang="en-US" sz="1200" b="1" dirty="0">
+                <a:solidFill>
+                  <a:srgbClr val="FF0000"/>
+                </a:solidFill>
+                <a:latin typeface="+mn-ea"/>
+              </a:rPr>
+              <a:t>이메일</a:t>
+            </a:r>
+            <a:r>
+              <a:rPr lang="en-US" altLang="ko-KR" sz="1200" b="1" dirty="0">
+                <a:solidFill>
+                  <a:srgbClr val="FF0000"/>
+                </a:solidFill>
+                <a:latin typeface="+mn-ea"/>
+              </a:rPr>
+              <a:t> </a:t>
+            </a:r>
+            <a:r>
+              <a:rPr lang="ko-KR" altLang="en-US" sz="1200" b="1" dirty="0">
+                <a:solidFill>
+                  <a:srgbClr val="FF0000"/>
+                </a:solidFill>
+                <a:latin typeface="+mn-ea"/>
+              </a:rPr>
+              <a:t>기억하기를</a:t>
+            </a:r>
+            <a:r>
+              <a:rPr lang="en-US" altLang="ko-KR" sz="1200" b="1" dirty="0">
+                <a:solidFill>
+                  <a:srgbClr val="FF0000"/>
+                </a:solidFill>
+                <a:latin typeface="+mn-ea"/>
+              </a:rPr>
+              <a:t> </a:t>
+            </a:r>
+            <a:r>
+              <a:rPr lang="ko-KR" altLang="en-US" sz="1200" b="1" dirty="0">
+                <a:solidFill>
+                  <a:srgbClr val="FF0000"/>
+                </a:solidFill>
+                <a:latin typeface="+mn-ea"/>
+              </a:rPr>
+              <a:t>활성화</a:t>
+            </a:r>
+            <a:r>
+              <a:rPr lang="en-US" altLang="ko-KR" sz="1200" b="1" dirty="0">
+                <a:solidFill>
+                  <a:srgbClr val="FF0000"/>
+                </a:solidFill>
+                <a:latin typeface="+mn-ea"/>
+              </a:rPr>
+              <a:t> </a:t>
+            </a:r>
+            <a:r>
+              <a:rPr lang="ko-KR" altLang="en-US" sz="1200" b="1" dirty="0">
+                <a:solidFill>
+                  <a:srgbClr val="FF0000"/>
+                </a:solidFill>
+                <a:latin typeface="+mn-ea"/>
+              </a:rPr>
+              <a:t>하면</a:t>
+            </a:r>
+            <a:r>
+              <a:rPr lang="en-US" altLang="ko-KR" sz="1200" b="1" dirty="0">
+                <a:solidFill>
+                  <a:srgbClr val="FF0000"/>
+                </a:solidFill>
+                <a:latin typeface="+mn-ea"/>
+              </a:rPr>
+              <a:t> </a:t>
+            </a:r>
+            <a:r>
+              <a:rPr lang="ko-KR" altLang="en-US" sz="1200" b="1" dirty="0">
+                <a:solidFill>
+                  <a:srgbClr val="FF0000"/>
+                </a:solidFill>
+                <a:latin typeface="+mn-ea"/>
+              </a:rPr>
+              <a:t>이메일이</a:t>
+            </a:r>
+            <a:r>
+              <a:rPr lang="en-US" altLang="ko-KR" sz="1200" b="1" dirty="0">
+                <a:solidFill>
+                  <a:srgbClr val="FF0000"/>
+                </a:solidFill>
+                <a:latin typeface="+mn-ea"/>
+              </a:rPr>
+              <a:t> </a:t>
+            </a:r>
+            <a:r>
+              <a:rPr lang="ko-KR" altLang="en-US" sz="1200" b="1" dirty="0">
+                <a:solidFill>
+                  <a:srgbClr val="FF0000"/>
+                </a:solidFill>
+                <a:latin typeface="+mn-ea"/>
+              </a:rPr>
+              <a:t>저장되므로</a:t>
+            </a:r>
+            <a:r>
+              <a:rPr lang="en-US" altLang="ko-KR" sz="1200" b="1" dirty="0">
+                <a:solidFill>
+                  <a:srgbClr val="FF0000"/>
+                </a:solidFill>
+                <a:latin typeface="+mn-ea"/>
+              </a:rPr>
+              <a:t>, </a:t>
+            </a:r>
+            <a:r>
+              <a:rPr lang="ko-KR" altLang="en-US" sz="1200" b="1" dirty="0">
+                <a:solidFill>
+                  <a:srgbClr val="FF0000"/>
+                </a:solidFill>
+                <a:latin typeface="+mn-ea"/>
+              </a:rPr>
+              <a:t>개인</a:t>
+            </a:r>
+            <a:r>
+              <a:rPr lang="en-US" altLang="ko-KR" sz="1200" b="1" dirty="0">
+                <a:solidFill>
+                  <a:srgbClr val="FF0000"/>
+                </a:solidFill>
+                <a:latin typeface="+mn-ea"/>
+              </a:rPr>
+              <a:t> PC</a:t>
+            </a:r>
+            <a:r>
+              <a:rPr lang="ko-KR" altLang="en-US" sz="1200" b="1" dirty="0">
+                <a:solidFill>
+                  <a:srgbClr val="FF0000"/>
+                </a:solidFill>
+                <a:latin typeface="+mn-ea"/>
+              </a:rPr>
+              <a:t>에서는</a:t>
+            </a:r>
+            <a:r>
+              <a:rPr lang="en-US" altLang="ko-KR" sz="1200" b="1" dirty="0">
+                <a:solidFill>
+                  <a:srgbClr val="FF0000"/>
+                </a:solidFill>
+                <a:latin typeface="+mn-ea"/>
+              </a:rPr>
+              <a:t> </a:t>
+            </a:r>
+            <a:r>
+              <a:rPr lang="ko-KR" altLang="en-US" sz="1200" b="1" dirty="0">
+                <a:solidFill>
+                  <a:srgbClr val="FF0000"/>
+                </a:solidFill>
+                <a:latin typeface="+mn-ea"/>
+              </a:rPr>
+              <a:t>계속해서</a:t>
+            </a:r>
+            <a:r>
+              <a:rPr lang="en-US" altLang="ko-KR" sz="1200" b="1" dirty="0">
+                <a:solidFill>
+                  <a:srgbClr val="FF0000"/>
+                </a:solidFill>
+                <a:latin typeface="+mn-ea"/>
+              </a:rPr>
+              <a:t> </a:t>
+            </a:r>
+            <a:r>
+              <a:rPr lang="ko-KR" altLang="en-US" sz="1200" b="1" dirty="0">
+                <a:solidFill>
+                  <a:srgbClr val="FF0000"/>
+                </a:solidFill>
+                <a:latin typeface="+mn-ea"/>
+              </a:rPr>
+              <a:t>입력</a:t>
+            </a:r>
+            <a:r>
+              <a:rPr lang="en-US" altLang="ko-KR" sz="1200" b="1" dirty="0">
+                <a:solidFill>
+                  <a:srgbClr val="FF0000"/>
+                </a:solidFill>
+                <a:latin typeface="+mn-ea"/>
+              </a:rPr>
+              <a:t> </a:t>
+            </a:r>
+            <a:r>
+              <a:rPr lang="ko-KR" altLang="en-US" sz="1200" b="1" dirty="0">
+                <a:solidFill>
+                  <a:srgbClr val="FF0000"/>
+                </a:solidFill>
+                <a:latin typeface="+mn-ea"/>
+              </a:rPr>
+              <a:t>하는걸</a:t>
+            </a:r>
+            <a:r>
+              <a:rPr lang="en-US" altLang="ko-KR" sz="1200" b="1" dirty="0">
+                <a:solidFill>
+                  <a:srgbClr val="FF0000"/>
+                </a:solidFill>
+                <a:latin typeface="+mn-ea"/>
+              </a:rPr>
+              <a:t> </a:t>
+            </a:r>
+            <a:r>
+              <a:rPr lang="ko-KR" altLang="en-US" sz="1200" b="1" dirty="0">
+                <a:solidFill>
+                  <a:srgbClr val="FF0000"/>
+                </a:solidFill>
+                <a:latin typeface="+mn-ea"/>
+              </a:rPr>
+              <a:t>막을</a:t>
+            </a:r>
+            <a:r>
+              <a:rPr lang="en-US" altLang="ko-KR" sz="1200" b="1" dirty="0">
+                <a:solidFill>
+                  <a:srgbClr val="FF0000"/>
+                </a:solidFill>
+                <a:latin typeface="+mn-ea"/>
+              </a:rPr>
+              <a:t> </a:t>
+            </a:r>
+            <a:r>
+              <a:rPr lang="ko-KR" altLang="en-US" sz="1200" b="1" dirty="0">
+                <a:solidFill>
+                  <a:srgbClr val="FF0000"/>
+                </a:solidFill>
+                <a:latin typeface="+mn-ea"/>
+              </a:rPr>
+              <a:t>수</a:t>
+            </a:r>
+            <a:r>
+              <a:rPr lang="en-US" altLang="ko-KR" sz="1200" b="1" dirty="0">
+                <a:solidFill>
+                  <a:srgbClr val="FF0000"/>
+                </a:solidFill>
+                <a:latin typeface="+mn-ea"/>
+              </a:rPr>
+              <a:t> </a:t>
+            </a:r>
+            <a:r>
+              <a:rPr lang="ko-KR" altLang="en-US" sz="1200" b="1" dirty="0">
+                <a:solidFill>
+                  <a:srgbClr val="FF0000"/>
+                </a:solidFill>
+                <a:latin typeface="+mn-ea"/>
+              </a:rPr>
+              <a:t>있다</a:t>
+            </a:r>
+            <a:r>
+              <a:rPr lang="en-US" altLang="ko-KR" sz="1200" b="1" dirty="0">
+                <a:solidFill>
+                  <a:srgbClr val="FF0000"/>
+                </a:solidFill>
+                <a:latin typeface="+mn-ea"/>
+              </a:rPr>
+              <a:t>.</a:t>
+            </a:r>
+          </a:p>
+        </p:txBody>
+      </p:sp>
+      <p:sp>
+        <p:nvSpPr>
+          <p:cNvPr id="11" name="직사각형 4"/>
+          <p:cNvSpPr/>
+          <p:nvPr/>
+        </p:nvSpPr>
+        <p:spPr>
+          <a:xfrm>
+            <a:off x="268605" y="906145"/>
+            <a:ext cx="8606155" cy="5487035"/>
+          </a:xfrm>
+          <a:prstGeom prst="rect">
+            <a:avLst/>
+          </a:prstGeom>
+        </p:spPr>
+        <p:txBody>
+          <a:bodyPr wrap="square">
+            <a:noAutofit/>
+          </a:bodyPr>
+          <a:lstStyle/>
+          <a:p>
+            <a:r>
+              <a:rPr lang="en-US" altLang="ko-KR" sz="1600" dirty="0">
+                <a:latin typeface="+mn-ea"/>
+              </a:rPr>
+              <a:t>- Login Theme : Tmax</a:t>
+            </a:r>
+            <a:endParaRPr lang="ko-KR" altLang="en-US" sz="1600" dirty="0">
+              <a:latin typeface="+mn-ea"/>
+            </a:endParaRPr>
+          </a:p>
+        </p:txBody>
+      </p:sp>
+    </p:spTree>
+  </p:cSld>
+  <p:clrMapOvr>
+    <a:masterClrMapping/>
+  </p:clrMapOvr>
+</p:sld>
+</file>
+
+<file path=ppt/slides/slide9.xml><?xml version="1.0" encoding="utf-8"?>
+<p:sld xmlns:a="http://schemas.openxmlformats.org/drawingml/2006/main" xmlns:r="http://schemas.openxmlformats.org/officeDocument/2006/relationships" xmlns:p="http://schemas.openxmlformats.org/presentationml/2006/main">
+  <p:cSld>
+    <p:spTree>
+      <p:nvGrpSpPr>
+        <p:cNvPr id="1" name=""/>
+        <p:cNvGrpSpPr/>
+        <p:nvPr/>
+      </p:nvGrpSpPr>
+      <p:grpSpPr>
+        <a:xfrm>
+          <a:off x="0" y="0"/>
+          <a:ext cx="0" cy="0"/>
+          <a:chOff x="0" y="0"/>
+          <a:chExt cx="0" cy="0"/>
+        </a:xfrm>
+      </p:grpSpPr>
+      <p:sp>
+        <p:nvSpPr>
+          <p:cNvPr id="2" name="제목 1"/>
+          <p:cNvSpPr>
+            <a:spLocks noGrp="1"/>
+          </p:cNvSpPr>
+          <p:nvPr>
+            <p:ph type="title"/>
+          </p:nvPr>
+        </p:nvSpPr>
+        <p:spPr/>
+        <p:txBody>
+          <a:bodyPr/>
+          <a:lstStyle/>
+          <a:p>
+            <a:r>
+              <a:rPr lang="en-US" altLang="ko-KR" b="1" dirty="0"/>
+              <a:t> </a:t>
+            </a:r>
+            <a:r>
+              <a:rPr lang="ko-KR" altLang="en-US" b="1" dirty="0"/>
+              <a:t>생체</a:t>
+            </a:r>
+            <a:r>
+              <a:rPr lang="en-US" altLang="ko-KR" b="1" dirty="0"/>
+              <a:t> </a:t>
+            </a:r>
+            <a:r>
+              <a:rPr lang="ko-KR" altLang="en-US" b="1" dirty="0"/>
+              <a:t>인증</a:t>
+            </a:r>
+            <a:r>
+              <a:rPr lang="en-US" altLang="ko-KR" b="1" dirty="0"/>
+              <a:t> </a:t>
+            </a:r>
+            <a:r>
+              <a:rPr lang="ko-KR" altLang="en-US" b="1" dirty="0"/>
+              <a:t>로그인</a:t>
+            </a:r>
+            <a:r>
+              <a:rPr lang="en-US" altLang="ko-KR" b="1" dirty="0"/>
+              <a:t> Flow (</a:t>
+            </a:r>
+            <a:r>
+              <a:rPr lang="ko-KR" altLang="en-US" b="1" dirty="0"/>
+              <a:t>기획에</a:t>
+            </a:r>
+            <a:r>
+              <a:rPr lang="en-US" altLang="ko-KR" b="1" dirty="0"/>
+              <a:t> </a:t>
+            </a:r>
+            <a:r>
+              <a:rPr lang="ko-KR" altLang="en-US" b="1" dirty="0"/>
+              <a:t>따라</a:t>
+            </a:r>
+            <a:r>
+              <a:rPr lang="en-US" altLang="ko-KR" b="1" dirty="0"/>
+              <a:t> </a:t>
+            </a:r>
+            <a:r>
+              <a:rPr lang="ko-KR" altLang="en-US" b="1" dirty="0"/>
+              <a:t>변화</a:t>
+            </a:r>
+            <a:r>
+              <a:rPr lang="en-US" altLang="ko-KR" b="1" dirty="0"/>
+              <a:t> </a:t>
+            </a:r>
+            <a:r>
+              <a:rPr lang="ko-KR" altLang="en-US" b="1" dirty="0"/>
+              <a:t>예정</a:t>
+            </a:r>
+            <a:r>
+              <a:rPr lang="en-US" altLang="ko-KR" b="1" dirty="0"/>
+              <a:t>)</a:t>
+            </a:r>
+          </a:p>
+        </p:txBody>
+      </p:sp>
+      <p:sp>
+        <p:nvSpPr>
+          <p:cNvPr id="4" name="슬라이드 번호 개체 틀 3"/>
+          <p:cNvSpPr>
+            <a:spLocks noGrp="1"/>
+          </p:cNvSpPr>
+          <p:nvPr>
+            <p:ph type="sldNum" sz="quarter" idx="12"/>
+          </p:nvPr>
+        </p:nvSpPr>
+        <p:spPr/>
+        <p:txBody>
+          <a:bodyPr/>
+          <a:lstStyle/>
+          <a:p>
+            <a:fld id="{46AE23CF-7DA0-4EBA-8411-E6590A2914FC}" type="slidenum">
+              <a:rPr lang="ko-KR" altLang="en-US" smtClean="0"/>
+              <a:t>9</a:t>
+            </a:fld>
+            <a:r>
+              <a:rPr lang="ko-KR" altLang="en-US" dirty="0"/>
+              <a:t> </a:t>
+            </a:r>
+            <a:r>
+              <a:rPr lang="en-US" altLang="ko-KR" dirty="0"/>
+              <a:t>/ 24</a:t>
+            </a:r>
+            <a:endParaRPr lang="ko-KR" altLang="en-US" dirty="0"/>
+          </a:p>
+        </p:txBody>
+      </p:sp>
+      <p:sp>
+        <p:nvSpPr>
+          <p:cNvPr id="6" name="직사각형 4"/>
+          <p:cNvSpPr/>
+          <p:nvPr/>
+        </p:nvSpPr>
+        <p:spPr>
+          <a:xfrm>
+            <a:off x="5681980" y="4763770"/>
+            <a:ext cx="2579370" cy="466090"/>
+          </a:xfrm>
+          <a:prstGeom prst="rect">
+            <a:avLst/>
+          </a:prstGeom>
+        </p:spPr>
+        <p:txBody>
+          <a:bodyPr wrap="square">
+            <a:noAutofit/>
+          </a:bodyPr>
+          <a:lstStyle/>
           <a:p>
             <a:endParaRPr lang="en-US" altLang="ko-KR" sz="1200" b="1" dirty="0">
               <a:solidFill>
@@ -7423,6 +7509,7 @@
           <a:bodyPr wrap="square">
             <a:noAutofit/>
           </a:bodyPr>
+          <a:lstStyle/>
           <a:p>
             <a:r>
               <a:rPr lang="ko-KR" altLang="en-US" sz="1200" b="1" dirty="0">
@@ -7595,6 +7682,8 @@
               </a:rPr>
               <a:t>가능</a:t>
             </a:r>
+          </a:p>
+          <a:p>
             <a:endParaRPr lang="ko-KR" altLang="en-US" sz="1200" b="1" dirty="0">
               <a:solidFill>
                 <a:srgbClr val="FF0000"/>
@@ -7603,14 +7692,6 @@
             </a:endParaRPr>
           </a:p>
           <a:p>
-            <a:endParaRPr lang="ko-KR" altLang="en-US" sz="1200" b="1" dirty="0">
-              <a:solidFill>
-                <a:srgbClr val="FF0000"/>
-              </a:solidFill>
-              <a:latin typeface="+mn-ea"/>
-            </a:endParaRPr>
-          </a:p>
-          <a:p>
             <a:r>
               <a:rPr lang="ko-KR" altLang="en-US" sz="1200" b="1" dirty="0">
                 <a:solidFill>
@@ -7708,23 +7789,8 @@
                 </a:solidFill>
                 <a:latin typeface="+mn-ea"/>
               </a:rPr>
-              <a:t>해놓은</a:t>
-            </a:r>
-            <a:r>
-              <a:rPr lang="ko-KR" altLang="en-US" sz="1200" b="1" dirty="0">
-                <a:solidFill>
-                  <a:srgbClr val="FF0000"/>
-                </a:solidFill>
-                <a:latin typeface="+mn-ea"/>
-              </a:rPr>
-              <a:t>상태</a:t>
-            </a:r>
-            <a:endParaRPr lang="ko-KR" altLang="en-US" sz="1200" b="1" dirty="0">
-              <a:solidFill>
-                <a:srgbClr val="FF0000"/>
-              </a:solidFill>
-              <a:latin typeface="+mn-ea"/>
-            </a:endParaRPr>
+              <a:t>해놓은상태</a:t>
+            </a:r>
           </a:p>
         </p:txBody>
       </p:sp>
@@ -7747,6 +7813,7 @@
           <a:bodyPr wrap="square">
             <a:noAutofit/>
           </a:bodyPr>
+          <a:lstStyle/>
           <a:p>
             <a:r>
               <a:rPr lang="ko-KR" altLang="en-US" sz="1200" b="1" dirty="0">
@@ -7793,12 +7860,6 @@
               </a:rPr>
               <a:t>클릭</a:t>
             </a:r>
-            <a:endParaRPr lang="ko-KR" altLang="en-US" sz="1200" b="1" dirty="0">
-              <a:solidFill>
-                <a:srgbClr val="FF0000"/>
-              </a:solidFill>
-              <a:latin typeface="+mn-ea"/>
-            </a:endParaRPr>
           </a:p>
         </p:txBody>
       </p:sp>
@@ -7806,14 +7867,14 @@
         <p:nvPicPr>
           <p:cNvPr id="7" name="Content Placeholder 6"/>
           <p:cNvPicPr>
-            <a:picLocks noChangeAspect="1"/>
+            <a:picLocks noGrp="1" noChangeAspect="1"/>
           </p:cNvPicPr>
           <p:nvPr>
             <p:ph idx="1"/>
           </p:nvPr>
         </p:nvPicPr>
         <p:blipFill>
-          <a:blip r:embed="rId1"/>
+          <a:blip r:embed="rId2"/>
           <a:stretch>
             <a:fillRect/>
           </a:stretch>
@@ -7837,7 +7898,7 @@
           <p:nvPr/>
         </p:nvPicPr>
         <p:blipFill>
-          <a:blip r:embed="rId2"/>
+          <a:blip r:embed="rId3"/>
           <a:stretch>
             <a:fillRect/>
           </a:stretch>
@@ -7861,7 +7922,7 @@
           <p:nvPr/>
         </p:nvPicPr>
         <p:blipFill>
-          <a:blip r:embed="rId3"/>
+          <a:blip r:embed="rId4"/>
           <a:stretch>
             <a:fillRect/>
           </a:stretch>
@@ -7885,7 +7946,7 @@
           <p:nvPr/>
         </p:nvPicPr>
         <p:blipFill>
-          <a:blip r:embed="rId4"/>
+          <a:blip r:embed="rId5"/>
           <a:stretch>
             <a:fillRect/>
           </a:stretch>
@@ -7919,6 +7980,7 @@
           <a:bodyPr wrap="square">
             <a:noAutofit/>
           </a:bodyPr>
+          <a:lstStyle/>
           <a:p>
             <a:r>
               <a:rPr lang="ko-KR" altLang="en-US" sz="1200" b="1" dirty="0">
@@ -7956,12 +8018,6 @@
               </a:rPr>
               <a:t>!</a:t>
             </a:r>
-            <a:endParaRPr lang="en-US" altLang="ko-KR" sz="1200" b="1" dirty="0">
-              <a:solidFill>
-                <a:srgbClr val="FF0000"/>
-              </a:solidFill>
-              <a:latin typeface="+mn-ea"/>
-            </a:endParaRPr>
           </a:p>
         </p:txBody>
       </p:sp>
@@ -8224,6 +8280,8 @@
       </a:bgFillStyleLst>
     </a:fmtScheme>
   </a:themeElements>
+  <a:objectDefaults/>
+  <a:extraClrSchemeLst/>
   <a:extLst>
     <a:ext uri="{05A4C25C-085E-4340-85A3-A5531E510DB2}">
       <thm15:themeFamily xmlns:thm15="http://schemas.microsoft.com/office/thememl/2012/main" name="Office Theme" id="{62F939B6-93AF-4DB8-9C6B-D6C7DFDC589F}" vid="{4A3C46E8-61CC-4603-A589-7422A47A8E4A}"/>
@@ -8483,6 +8541,8 @@
       </a:bgFillStyleLst>
     </a:fmtScheme>
   </a:themeElements>
+  <a:objectDefaults/>
+  <a:extraClrSchemeLst/>
   <a:extLst>
     <a:ext uri="{05A4C25C-085E-4340-85A3-A5531E510DB2}">
       <thm15:themeFamily xmlns:thm15="http://schemas.microsoft.com/office/thememl/2012/main" name="Office Theme" id="{62F939B6-93AF-4DB8-9C6B-D6C7DFDC589F}" vid="{4A3C46E8-61CC-4603-A589-7422A47A8E4A}"/>
@@ -8742,6 +8802,8 @@
       </a:bgFillStyleLst>
     </a:fmtScheme>
   </a:themeElements>
+  <a:objectDefaults/>
+  <a:extraClrSchemeLst/>
   <a:extLst>
     <a:ext uri="{05A4C25C-085E-4340-85A3-A5531E510DB2}">
       <thm15:themeFamily xmlns:thm15="http://schemas.microsoft.com/office/thememl/2012/main" name="Office Theme" id="{62F939B6-93AF-4DB8-9C6B-D6C7DFDC589F}" vid="{4A3C46E8-61CC-4603-A589-7422A47A8E4A}"/>
